--- a/mild_master_neuroimaging_pilot.pptx
+++ b/mild_master_neuroimaging_pilot.pptx
@@ -8,7 +8,14 @@
     <p:sldId id="256" r:id="rId2"/>
     <p:sldId id="257" r:id="rId3"/>
     <p:sldId id="258" r:id="rId4"/>
-    <p:sldId id="259" r:id="rId5"/>
+    <p:sldId id="262" r:id="rId5"/>
+    <p:sldId id="259" r:id="rId6"/>
+    <p:sldId id="260" r:id="rId7"/>
+    <p:sldId id="261" r:id="rId8"/>
+    <p:sldId id="263" r:id="rId9"/>
+    <p:sldId id="264" r:id="rId10"/>
+    <p:sldId id="265" r:id="rId11"/>
+    <p:sldId id="266" r:id="rId12"/>
   </p:sldIdLst>
   <p:sldSz cx="12192000" cy="6858000"/>
   <p:notesSz cx="6858000" cy="9144000"/>
@@ -107,6 +114,11 @@
       </a:defRPr>
     </a:lvl9pPr>
   </p:defaultTextStyle>
+  <p:extLst>
+    <p:ext uri="{EFAFB233-063F-42B5-8137-9DF3F51BA10A}">
+      <p15:sldGuideLst xmlns:p15="http://schemas.microsoft.com/office/powerpoint/2012/main"/>
+    </p:ext>
+  </p:extLst>
 </p:presentation>
 </file>
 
@@ -257,7 +269,7 @@
           <a:p>
             <a:fld id="{C6CACAED-D859-483C-9AE0-4A15DC8C2EE7}" type="datetimeFigureOut">
               <a:rPr lang="en-US" smtClean="0"/>
-              <a:t>10/8/2024</a:t>
+              <a:t>10/9/2024</a:t>
             </a:fld>
             <a:endParaRPr lang="en-US"/>
           </a:p>
@@ -455,7 +467,7 @@
           <a:p>
             <a:fld id="{C6CACAED-D859-483C-9AE0-4A15DC8C2EE7}" type="datetimeFigureOut">
               <a:rPr lang="en-US" smtClean="0"/>
-              <a:t>10/8/2024</a:t>
+              <a:t>10/9/2024</a:t>
             </a:fld>
             <a:endParaRPr lang="en-US"/>
           </a:p>
@@ -663,7 +675,7 @@
           <a:p>
             <a:fld id="{C6CACAED-D859-483C-9AE0-4A15DC8C2EE7}" type="datetimeFigureOut">
               <a:rPr lang="en-US" smtClean="0"/>
-              <a:t>10/8/2024</a:t>
+              <a:t>10/9/2024</a:t>
             </a:fld>
             <a:endParaRPr lang="en-US"/>
           </a:p>
@@ -861,7 +873,7 @@
           <a:p>
             <a:fld id="{C6CACAED-D859-483C-9AE0-4A15DC8C2EE7}" type="datetimeFigureOut">
               <a:rPr lang="en-US" smtClean="0"/>
-              <a:t>10/8/2024</a:t>
+              <a:t>10/9/2024</a:t>
             </a:fld>
             <a:endParaRPr lang="en-US"/>
           </a:p>
@@ -1136,7 +1148,7 @@
           <a:p>
             <a:fld id="{C6CACAED-D859-483C-9AE0-4A15DC8C2EE7}" type="datetimeFigureOut">
               <a:rPr lang="en-US" smtClean="0"/>
-              <a:t>10/8/2024</a:t>
+              <a:t>10/9/2024</a:t>
             </a:fld>
             <a:endParaRPr lang="en-US"/>
           </a:p>
@@ -1401,7 +1413,7 @@
           <a:p>
             <a:fld id="{C6CACAED-D859-483C-9AE0-4A15DC8C2EE7}" type="datetimeFigureOut">
               <a:rPr lang="en-US" smtClean="0"/>
-              <a:t>10/8/2024</a:t>
+              <a:t>10/9/2024</a:t>
             </a:fld>
             <a:endParaRPr lang="en-US"/>
           </a:p>
@@ -1813,7 +1825,7 @@
           <a:p>
             <a:fld id="{C6CACAED-D859-483C-9AE0-4A15DC8C2EE7}" type="datetimeFigureOut">
               <a:rPr lang="en-US" smtClean="0"/>
-              <a:t>10/8/2024</a:t>
+              <a:t>10/9/2024</a:t>
             </a:fld>
             <a:endParaRPr lang="en-US"/>
           </a:p>
@@ -1954,7 +1966,7 @@
           <a:p>
             <a:fld id="{C6CACAED-D859-483C-9AE0-4A15DC8C2EE7}" type="datetimeFigureOut">
               <a:rPr lang="en-US" smtClean="0"/>
-              <a:t>10/8/2024</a:t>
+              <a:t>10/9/2024</a:t>
             </a:fld>
             <a:endParaRPr lang="en-US"/>
           </a:p>
@@ -2067,7 +2079,7 @@
           <a:p>
             <a:fld id="{C6CACAED-D859-483C-9AE0-4A15DC8C2EE7}" type="datetimeFigureOut">
               <a:rPr lang="en-US" smtClean="0"/>
-              <a:t>10/8/2024</a:t>
+              <a:t>10/9/2024</a:t>
             </a:fld>
             <a:endParaRPr lang="en-US"/>
           </a:p>
@@ -2378,7 +2390,7 @@
           <a:p>
             <a:fld id="{C6CACAED-D859-483C-9AE0-4A15DC8C2EE7}" type="datetimeFigureOut">
               <a:rPr lang="en-US" smtClean="0"/>
-              <a:t>10/8/2024</a:t>
+              <a:t>10/9/2024</a:t>
             </a:fld>
             <a:endParaRPr lang="en-US"/>
           </a:p>
@@ -2666,7 +2678,7 @@
           <a:p>
             <a:fld id="{C6CACAED-D859-483C-9AE0-4A15DC8C2EE7}" type="datetimeFigureOut">
               <a:rPr lang="en-US" smtClean="0"/>
-              <a:t>10/8/2024</a:t>
+              <a:t>10/9/2024</a:t>
             </a:fld>
             <a:endParaRPr lang="en-US"/>
           </a:p>
@@ -2907,7 +2919,7 @@
           <a:p>
             <a:fld id="{C6CACAED-D859-483C-9AE0-4A15DC8C2EE7}" type="datetimeFigureOut">
               <a:rPr lang="en-US" smtClean="0"/>
-              <a:t>10/8/2024</a:t>
+              <a:t>10/9/2024</a:t>
             </a:fld>
             <a:endParaRPr lang="en-US"/>
           </a:p>
@@ -3390,6 +3402,176 @@
 </p:sld>
 </file>
 
+<file path=ppt/slides/slide10.xml><?xml version="1.0" encoding="utf-8"?>
+<p:sld xmlns:a="http://schemas.openxmlformats.org/drawingml/2006/main" xmlns:r="http://schemas.openxmlformats.org/officeDocument/2006/relationships" xmlns:p="http://schemas.openxmlformats.org/presentationml/2006/main">
+  <p:cSld>
+    <p:spTree>
+      <p:nvGrpSpPr>
+        <p:cNvPr id="1" name=""/>
+        <p:cNvGrpSpPr/>
+        <p:nvPr/>
+      </p:nvGrpSpPr>
+      <p:grpSpPr>
+        <a:xfrm>
+          <a:off x="0" y="0"/>
+          <a:ext cx="0" cy="0"/>
+          <a:chOff x="0" y="0"/>
+          <a:chExt cx="0" cy="0"/>
+        </a:xfrm>
+      </p:grpSpPr>
+      <p:sp>
+        <p:nvSpPr>
+          <p:cNvPr id="2" name="Title 1">
+            <a:extLst>
+              <a:ext uri="{FF2B5EF4-FFF2-40B4-BE49-F238E27FC236}">
+                <a16:creationId xmlns:a16="http://schemas.microsoft.com/office/drawing/2014/main" id="{92D6B347-E763-522C-AA0B-C90B39544C29}"/>
+              </a:ext>
+            </a:extLst>
+          </p:cNvPr>
+          <p:cNvSpPr>
+            <a:spLocks noGrp="1"/>
+          </p:cNvSpPr>
+          <p:nvPr>
+            <p:ph type="title"/>
+          </p:nvPr>
+        </p:nvSpPr>
+        <p:spPr/>
+        <p:txBody>
+          <a:bodyPr/>
+          <a:lstStyle/>
+          <a:p>
+            <a:r>
+              <a:rPr lang="en-US" dirty="0"/>
+              <a:t>Button Press at Fz</a:t>
+            </a:r>
+          </a:p>
+        </p:txBody>
+      </p:sp>
+      <p:sp>
+        <p:nvSpPr>
+          <p:cNvPr id="3" name="Content Placeholder 2">
+            <a:extLst>
+              <a:ext uri="{FF2B5EF4-FFF2-40B4-BE49-F238E27FC236}">
+                <a16:creationId xmlns:a16="http://schemas.microsoft.com/office/drawing/2014/main" id="{3DE9DE59-7C49-0907-F7FA-AC2E3C018D9F}"/>
+              </a:ext>
+            </a:extLst>
+          </p:cNvPr>
+          <p:cNvSpPr>
+            <a:spLocks noGrp="1"/>
+          </p:cNvSpPr>
+          <p:nvPr>
+            <p:ph idx="1"/>
+          </p:nvPr>
+        </p:nvSpPr>
+        <p:spPr/>
+        <p:txBody>
+          <a:bodyPr/>
+          <a:lstStyle/>
+          <a:p>
+            <a:endParaRPr lang="en-US"/>
+          </a:p>
+        </p:txBody>
+      </p:sp>
+    </p:spTree>
+    <p:extLst>
+      <p:ext uri="{BB962C8B-B14F-4D97-AF65-F5344CB8AC3E}">
+        <p14:creationId xmlns:p14="http://schemas.microsoft.com/office/powerpoint/2010/main" val="676225538"/>
+      </p:ext>
+    </p:extLst>
+  </p:cSld>
+  <p:clrMapOvr>
+    <a:masterClrMapping/>
+  </p:clrMapOvr>
+</p:sld>
+</file>
+
+<file path=ppt/slides/slide11.xml><?xml version="1.0" encoding="utf-8"?>
+<p:sld xmlns:a="http://schemas.openxmlformats.org/drawingml/2006/main" xmlns:r="http://schemas.openxmlformats.org/officeDocument/2006/relationships" xmlns:p="http://schemas.openxmlformats.org/presentationml/2006/main">
+  <p:cSld>
+    <p:spTree>
+      <p:nvGrpSpPr>
+        <p:cNvPr id="1" name=""/>
+        <p:cNvGrpSpPr/>
+        <p:nvPr/>
+      </p:nvGrpSpPr>
+      <p:grpSpPr>
+        <a:xfrm>
+          <a:off x="0" y="0"/>
+          <a:ext cx="0" cy="0"/>
+          <a:chOff x="0" y="0"/>
+          <a:chExt cx="0" cy="0"/>
+        </a:xfrm>
+      </p:grpSpPr>
+      <p:sp>
+        <p:nvSpPr>
+          <p:cNvPr id="2" name="Title 1">
+            <a:extLst>
+              <a:ext uri="{FF2B5EF4-FFF2-40B4-BE49-F238E27FC236}">
+                <a16:creationId xmlns:a16="http://schemas.microsoft.com/office/drawing/2014/main" id="{90E11623-04AF-CB7B-1957-37E0AB503E50}"/>
+              </a:ext>
+            </a:extLst>
+          </p:cNvPr>
+          <p:cNvSpPr>
+            <a:spLocks noGrp="1"/>
+          </p:cNvSpPr>
+          <p:nvPr>
+            <p:ph type="title"/>
+          </p:nvPr>
+        </p:nvSpPr>
+        <p:spPr/>
+        <p:txBody>
+          <a:bodyPr/>
+          <a:lstStyle/>
+          <a:p>
+            <a:r>
+              <a:rPr lang="en-US" dirty="0"/>
+              <a:t>Button Press at </a:t>
+            </a:r>
+            <a:r>
+              <a:rPr lang="en-US"/>
+              <a:t>Pz</a:t>
+            </a:r>
+          </a:p>
+        </p:txBody>
+      </p:sp>
+      <p:sp>
+        <p:nvSpPr>
+          <p:cNvPr id="3" name="Content Placeholder 2">
+            <a:extLst>
+              <a:ext uri="{FF2B5EF4-FFF2-40B4-BE49-F238E27FC236}">
+                <a16:creationId xmlns:a16="http://schemas.microsoft.com/office/drawing/2014/main" id="{604A3052-AE72-4179-F744-E5112BF4CDEA}"/>
+              </a:ext>
+            </a:extLst>
+          </p:cNvPr>
+          <p:cNvSpPr>
+            <a:spLocks noGrp="1"/>
+          </p:cNvSpPr>
+          <p:nvPr>
+            <p:ph idx="1"/>
+          </p:nvPr>
+        </p:nvSpPr>
+        <p:spPr/>
+        <p:txBody>
+          <a:bodyPr/>
+          <a:lstStyle/>
+          <a:p>
+            <a:endParaRPr lang="en-US"/>
+          </a:p>
+        </p:txBody>
+      </p:sp>
+    </p:spTree>
+    <p:extLst>
+      <p:ext uri="{BB962C8B-B14F-4D97-AF65-F5344CB8AC3E}">
+        <p14:creationId xmlns:p14="http://schemas.microsoft.com/office/powerpoint/2010/main" val="214353769"/>
+      </p:ext>
+    </p:extLst>
+  </p:cSld>
+  <p:clrMapOvr>
+    <a:masterClrMapping/>
+  </p:clrMapOvr>
+</p:sld>
+</file>
+
 <file path=ppt/slides/slide2.xml><?xml version="1.0" encoding="utf-8"?>
 <p:sld xmlns:a="http://schemas.openxmlformats.org/drawingml/2006/main" xmlns:r="http://schemas.openxmlformats.org/officeDocument/2006/relationships" xmlns:p="http://schemas.openxmlformats.org/presentationml/2006/main">
   <p:cSld>
@@ -3643,6 +3825,99 @@
           <p:cNvPr id="2" name="Title 1">
             <a:extLst>
               <a:ext uri="{FF2B5EF4-FFF2-40B4-BE49-F238E27FC236}">
+                <a16:creationId xmlns:a16="http://schemas.microsoft.com/office/drawing/2014/main" id="{55741FC5-10CB-5744-6FE0-C1F3651D1401}"/>
+              </a:ext>
+            </a:extLst>
+          </p:cNvPr>
+          <p:cNvSpPr>
+            <a:spLocks noGrp="1"/>
+          </p:cNvSpPr>
+          <p:nvPr>
+            <p:ph type="title"/>
+          </p:nvPr>
+        </p:nvSpPr>
+        <p:spPr>
+          <a:xfrm>
+            <a:off x="838200" y="-102235"/>
+            <a:ext cx="10515600" cy="1325563"/>
+          </a:xfrm>
+        </p:spPr>
+        <p:txBody>
+          <a:bodyPr/>
+          <a:lstStyle/>
+          <a:p>
+            <a:r>
+              <a:rPr lang="en-US" dirty="0"/>
+              <a:t>ERP topographies</a:t>
+            </a:r>
+          </a:p>
+        </p:txBody>
+      </p:sp>
+      <p:pic>
+        <p:nvPicPr>
+          <p:cNvPr id="5" name="Picture 4">
+            <a:extLst>
+              <a:ext uri="{FF2B5EF4-FFF2-40B4-BE49-F238E27FC236}">
+                <a16:creationId xmlns:a16="http://schemas.microsoft.com/office/drawing/2014/main" id="{12983BDC-D30A-F1C8-C6A1-B03B545CC8CB}"/>
+              </a:ext>
+            </a:extLst>
+          </p:cNvPr>
+          <p:cNvPicPr>
+            <a:picLocks noChangeAspect="1"/>
+          </p:cNvPicPr>
+          <p:nvPr/>
+        </p:nvPicPr>
+        <p:blipFill>
+          <a:blip r:embed="rId2"/>
+          <a:stretch>
+            <a:fillRect/>
+          </a:stretch>
+        </p:blipFill>
+        <p:spPr>
+          <a:xfrm>
+            <a:off x="0" y="763746"/>
+            <a:ext cx="12192000" cy="5880100"/>
+          </a:xfrm>
+          <a:prstGeom prst="rect">
+            <a:avLst/>
+          </a:prstGeom>
+        </p:spPr>
+      </p:pic>
+    </p:spTree>
+    <p:extLst>
+      <p:ext uri="{BB962C8B-B14F-4D97-AF65-F5344CB8AC3E}">
+        <p14:creationId xmlns:p14="http://schemas.microsoft.com/office/powerpoint/2010/main" val="58717464"/>
+      </p:ext>
+    </p:extLst>
+  </p:cSld>
+  <p:clrMapOvr>
+    <a:masterClrMapping/>
+  </p:clrMapOvr>
+</p:sld>
+</file>
+
+<file path=ppt/slides/slide5.xml><?xml version="1.0" encoding="utf-8"?>
+<p:sld xmlns:a="http://schemas.openxmlformats.org/drawingml/2006/main" xmlns:r="http://schemas.openxmlformats.org/officeDocument/2006/relationships" xmlns:p="http://schemas.openxmlformats.org/presentationml/2006/main">
+  <p:cSld>
+    <p:spTree>
+      <p:nvGrpSpPr>
+        <p:cNvPr id="1" name=""/>
+        <p:cNvGrpSpPr/>
+        <p:nvPr/>
+      </p:nvGrpSpPr>
+      <p:grpSpPr>
+        <a:xfrm>
+          <a:off x="0" y="0"/>
+          <a:ext cx="0" cy="0"/>
+          <a:chOff x="0" y="0"/>
+          <a:chExt cx="0" cy="0"/>
+        </a:xfrm>
+      </p:grpSpPr>
+      <p:sp>
+        <p:nvSpPr>
+          <p:cNvPr id="2" name="Title 1">
+            <a:extLst>
+              <a:ext uri="{FF2B5EF4-FFF2-40B4-BE49-F238E27FC236}">
                 <a16:creationId xmlns:a16="http://schemas.microsoft.com/office/drawing/2014/main" id="{E002DAF3-3BFE-0A02-0F70-4E0265188B39}"/>
               </a:ext>
             </a:extLst>
@@ -3654,47 +3929,431 @@
             <p:ph type="title"/>
           </p:nvPr>
         </p:nvSpPr>
-        <p:spPr/>
-        <p:txBody>
-          <a:bodyPr/>
-          <a:lstStyle/>
-          <a:p>
-            <a:r>
-              <a:rPr lang="en-US"/>
-              <a:t>ERPs</a:t>
-            </a:r>
-          </a:p>
-        </p:txBody>
-      </p:sp>
-      <p:sp>
-        <p:nvSpPr>
-          <p:cNvPr id="3" name="Content Placeholder 2">
-            <a:extLst>
-              <a:ext uri="{FF2B5EF4-FFF2-40B4-BE49-F238E27FC236}">
-                <a16:creationId xmlns:a16="http://schemas.microsoft.com/office/drawing/2014/main" id="{EE038E36-3020-27BE-FF31-A771A47E905A}"/>
-              </a:ext>
-            </a:extLst>
-          </p:cNvPr>
-          <p:cNvSpPr>
-            <a:spLocks noGrp="1"/>
-          </p:cNvSpPr>
-          <p:nvPr>
-            <p:ph idx="1"/>
-          </p:nvPr>
-        </p:nvSpPr>
-        <p:spPr/>
-        <p:txBody>
-          <a:bodyPr/>
-          <a:lstStyle/>
-          <a:p>
-            <a:endParaRPr lang="en-US"/>
-          </a:p>
-        </p:txBody>
-      </p:sp>
+        <p:spPr>
+          <a:xfrm>
+            <a:off x="838200" y="-168116"/>
+            <a:ext cx="10515600" cy="1325563"/>
+          </a:xfrm>
+        </p:spPr>
+        <p:txBody>
+          <a:bodyPr/>
+          <a:lstStyle/>
+          <a:p>
+            <a:r>
+              <a:rPr lang="en-US" dirty="0"/>
+              <a:t>ERPs at </a:t>
+            </a:r>
+            <a:r>
+              <a:rPr lang="en-US" dirty="0" err="1"/>
+              <a:t>Cz</a:t>
+            </a:r>
+            <a:endParaRPr lang="en-US" dirty="0"/>
+          </a:p>
+        </p:txBody>
+      </p:sp>
+      <p:pic>
+        <p:nvPicPr>
+          <p:cNvPr id="9" name="Picture 8">
+            <a:extLst>
+              <a:ext uri="{FF2B5EF4-FFF2-40B4-BE49-F238E27FC236}">
+                <a16:creationId xmlns:a16="http://schemas.microsoft.com/office/drawing/2014/main" id="{2625C651-9606-6E40-EBDE-71EF67052787}"/>
+              </a:ext>
+            </a:extLst>
+          </p:cNvPr>
+          <p:cNvPicPr>
+            <a:picLocks noChangeAspect="1"/>
+          </p:cNvPicPr>
+          <p:nvPr/>
+        </p:nvPicPr>
+        <p:blipFill>
+          <a:blip r:embed="rId2"/>
+          <a:stretch>
+            <a:fillRect/>
+          </a:stretch>
+        </p:blipFill>
+        <p:spPr>
+          <a:xfrm>
+            <a:off x="0" y="679927"/>
+            <a:ext cx="12192000" cy="5965505"/>
+          </a:xfrm>
+          <a:prstGeom prst="rect">
+            <a:avLst/>
+          </a:prstGeom>
+        </p:spPr>
+      </p:pic>
     </p:spTree>
     <p:extLst>
       <p:ext uri="{BB962C8B-B14F-4D97-AF65-F5344CB8AC3E}">
         <p14:creationId xmlns:p14="http://schemas.microsoft.com/office/powerpoint/2010/main" val="77255183"/>
+      </p:ext>
+    </p:extLst>
+  </p:cSld>
+  <p:clrMapOvr>
+    <a:masterClrMapping/>
+  </p:clrMapOvr>
+</p:sld>
+</file>
+
+<file path=ppt/slides/slide6.xml><?xml version="1.0" encoding="utf-8"?>
+<p:sld xmlns:a="http://schemas.openxmlformats.org/drawingml/2006/main" xmlns:r="http://schemas.openxmlformats.org/officeDocument/2006/relationships" xmlns:p="http://schemas.openxmlformats.org/presentationml/2006/main">
+  <p:cSld>
+    <p:spTree>
+      <p:nvGrpSpPr>
+        <p:cNvPr id="1" name=""/>
+        <p:cNvGrpSpPr/>
+        <p:nvPr/>
+      </p:nvGrpSpPr>
+      <p:grpSpPr>
+        <a:xfrm>
+          <a:off x="0" y="0"/>
+          <a:ext cx="0" cy="0"/>
+          <a:chOff x="0" y="0"/>
+          <a:chExt cx="0" cy="0"/>
+        </a:xfrm>
+      </p:grpSpPr>
+      <p:sp>
+        <p:nvSpPr>
+          <p:cNvPr id="2" name="Title 1">
+            <a:extLst>
+              <a:ext uri="{FF2B5EF4-FFF2-40B4-BE49-F238E27FC236}">
+                <a16:creationId xmlns:a16="http://schemas.microsoft.com/office/drawing/2014/main" id="{340B64D0-62BB-A57E-BABD-15E1B86D7608}"/>
+              </a:ext>
+            </a:extLst>
+          </p:cNvPr>
+          <p:cNvSpPr>
+            <a:spLocks noGrp="1"/>
+          </p:cNvSpPr>
+          <p:nvPr>
+            <p:ph type="title"/>
+          </p:nvPr>
+        </p:nvSpPr>
+        <p:spPr>
+          <a:xfrm>
+            <a:off x="838200" y="0"/>
+            <a:ext cx="10515600" cy="1325563"/>
+          </a:xfrm>
+        </p:spPr>
+        <p:txBody>
+          <a:bodyPr/>
+          <a:lstStyle/>
+          <a:p>
+            <a:r>
+              <a:rPr lang="en-US" dirty="0"/>
+              <a:t>ERPs at Fz</a:t>
+            </a:r>
+          </a:p>
+        </p:txBody>
+      </p:sp>
+      <p:pic>
+        <p:nvPicPr>
+          <p:cNvPr id="5" name="Picture 4">
+            <a:extLst>
+              <a:ext uri="{FF2B5EF4-FFF2-40B4-BE49-F238E27FC236}">
+                <a16:creationId xmlns:a16="http://schemas.microsoft.com/office/drawing/2014/main" id="{AC106F39-5C5A-DA99-E592-97895E1AD153}"/>
+              </a:ext>
+            </a:extLst>
+          </p:cNvPr>
+          <p:cNvPicPr>
+            <a:picLocks noChangeAspect="1"/>
+          </p:cNvPicPr>
+          <p:nvPr/>
+        </p:nvPicPr>
+        <p:blipFill>
+          <a:blip r:embed="rId2"/>
+          <a:stretch>
+            <a:fillRect/>
+          </a:stretch>
+        </p:blipFill>
+        <p:spPr>
+          <a:xfrm>
+            <a:off x="0" y="864689"/>
+            <a:ext cx="12192000" cy="5993311"/>
+          </a:xfrm>
+          <a:prstGeom prst="rect">
+            <a:avLst/>
+          </a:prstGeom>
+        </p:spPr>
+      </p:pic>
+    </p:spTree>
+    <p:extLst>
+      <p:ext uri="{BB962C8B-B14F-4D97-AF65-F5344CB8AC3E}">
+        <p14:creationId xmlns:p14="http://schemas.microsoft.com/office/powerpoint/2010/main" val="543311727"/>
+      </p:ext>
+    </p:extLst>
+  </p:cSld>
+  <p:clrMapOvr>
+    <a:masterClrMapping/>
+  </p:clrMapOvr>
+</p:sld>
+</file>
+
+<file path=ppt/slides/slide7.xml><?xml version="1.0" encoding="utf-8"?>
+<p:sld xmlns:a="http://schemas.openxmlformats.org/drawingml/2006/main" xmlns:r="http://schemas.openxmlformats.org/officeDocument/2006/relationships" xmlns:p="http://schemas.openxmlformats.org/presentationml/2006/main">
+  <p:cSld>
+    <p:spTree>
+      <p:nvGrpSpPr>
+        <p:cNvPr id="1" name=""/>
+        <p:cNvGrpSpPr/>
+        <p:nvPr/>
+      </p:nvGrpSpPr>
+      <p:grpSpPr>
+        <a:xfrm>
+          <a:off x="0" y="0"/>
+          <a:ext cx="0" cy="0"/>
+          <a:chOff x="0" y="0"/>
+          <a:chExt cx="0" cy="0"/>
+        </a:xfrm>
+      </p:grpSpPr>
+      <p:sp>
+        <p:nvSpPr>
+          <p:cNvPr id="2" name="Title 1">
+            <a:extLst>
+              <a:ext uri="{FF2B5EF4-FFF2-40B4-BE49-F238E27FC236}">
+                <a16:creationId xmlns:a16="http://schemas.microsoft.com/office/drawing/2014/main" id="{2DB172FE-1BD3-A673-1460-27D7FE03CA19}"/>
+              </a:ext>
+            </a:extLst>
+          </p:cNvPr>
+          <p:cNvSpPr>
+            <a:spLocks noGrp="1"/>
+          </p:cNvSpPr>
+          <p:nvPr>
+            <p:ph type="title"/>
+          </p:nvPr>
+        </p:nvSpPr>
+        <p:spPr>
+          <a:xfrm>
+            <a:off x="838200" y="131762"/>
+            <a:ext cx="10515600" cy="549275"/>
+          </a:xfrm>
+        </p:spPr>
+        <p:txBody>
+          <a:bodyPr>
+            <a:normAutofit fontScale="90000"/>
+          </a:bodyPr>
+          <a:lstStyle/>
+          <a:p>
+            <a:r>
+              <a:rPr lang="en-US" dirty="0"/>
+              <a:t>ERPs at </a:t>
+            </a:r>
+            <a:r>
+              <a:rPr lang="en-US" dirty="0" err="1"/>
+              <a:t>Pz</a:t>
+            </a:r>
+            <a:endParaRPr lang="en-US" dirty="0"/>
+          </a:p>
+        </p:txBody>
+      </p:sp>
+      <p:pic>
+        <p:nvPicPr>
+          <p:cNvPr id="5" name="Picture 4">
+            <a:extLst>
+              <a:ext uri="{FF2B5EF4-FFF2-40B4-BE49-F238E27FC236}">
+                <a16:creationId xmlns:a16="http://schemas.microsoft.com/office/drawing/2014/main" id="{6B4B143E-3BB1-E36B-B4C5-D47526E93C2C}"/>
+              </a:ext>
+            </a:extLst>
+          </p:cNvPr>
+          <p:cNvPicPr>
+            <a:picLocks noChangeAspect="1"/>
+          </p:cNvPicPr>
+          <p:nvPr/>
+        </p:nvPicPr>
+        <p:blipFill>
+          <a:blip r:embed="rId2"/>
+          <a:stretch>
+            <a:fillRect/>
+          </a:stretch>
+        </p:blipFill>
+        <p:spPr>
+          <a:xfrm>
+            <a:off x="0" y="681037"/>
+            <a:ext cx="12192000" cy="5928986"/>
+          </a:xfrm>
+          <a:prstGeom prst="rect">
+            <a:avLst/>
+          </a:prstGeom>
+        </p:spPr>
+      </p:pic>
+    </p:spTree>
+    <p:extLst>
+      <p:ext uri="{BB962C8B-B14F-4D97-AF65-F5344CB8AC3E}">
+        <p14:creationId xmlns:p14="http://schemas.microsoft.com/office/powerpoint/2010/main" val="1984400871"/>
+      </p:ext>
+    </p:extLst>
+  </p:cSld>
+  <p:clrMapOvr>
+    <a:masterClrMapping/>
+  </p:clrMapOvr>
+</p:sld>
+</file>
+
+<file path=ppt/slides/slide8.xml><?xml version="1.0" encoding="utf-8"?>
+<p:sld xmlns:a="http://schemas.openxmlformats.org/drawingml/2006/main" xmlns:r="http://schemas.openxmlformats.org/officeDocument/2006/relationships" xmlns:p="http://schemas.openxmlformats.org/presentationml/2006/main">
+  <p:cSld>
+    <p:spTree>
+      <p:nvGrpSpPr>
+        <p:cNvPr id="1" name=""/>
+        <p:cNvGrpSpPr/>
+        <p:nvPr/>
+      </p:nvGrpSpPr>
+      <p:grpSpPr>
+        <a:xfrm>
+          <a:off x="0" y="0"/>
+          <a:ext cx="0" cy="0"/>
+          <a:chOff x="0" y="0"/>
+          <a:chExt cx="0" cy="0"/>
+        </a:xfrm>
+      </p:grpSpPr>
+      <p:sp>
+        <p:nvSpPr>
+          <p:cNvPr id="2" name="Title 1">
+            <a:extLst>
+              <a:ext uri="{FF2B5EF4-FFF2-40B4-BE49-F238E27FC236}">
+                <a16:creationId xmlns:a16="http://schemas.microsoft.com/office/drawing/2014/main" id="{BD6EADF0-7BB1-AE90-BC76-965A07600CE6}"/>
+              </a:ext>
+            </a:extLst>
+          </p:cNvPr>
+          <p:cNvSpPr>
+            <a:spLocks noGrp="1"/>
+          </p:cNvSpPr>
+          <p:nvPr>
+            <p:ph type="title"/>
+          </p:nvPr>
+        </p:nvSpPr>
+        <p:spPr/>
+        <p:txBody>
+          <a:bodyPr/>
+          <a:lstStyle/>
+          <a:p>
+            <a:r>
+              <a:rPr lang="en-US" dirty="0"/>
+              <a:t>Button press topography</a:t>
+            </a:r>
+          </a:p>
+        </p:txBody>
+      </p:sp>
+      <p:pic>
+        <p:nvPicPr>
+          <p:cNvPr id="5" name="Picture 4">
+            <a:extLst>
+              <a:ext uri="{FF2B5EF4-FFF2-40B4-BE49-F238E27FC236}">
+                <a16:creationId xmlns:a16="http://schemas.microsoft.com/office/drawing/2014/main" id="{D1962397-F3F7-2FAC-0060-E34A1EFEBCA4}"/>
+              </a:ext>
+            </a:extLst>
+          </p:cNvPr>
+          <p:cNvPicPr>
+            <a:picLocks noChangeAspect="1"/>
+          </p:cNvPicPr>
+          <p:nvPr/>
+        </p:nvPicPr>
+        <p:blipFill>
+          <a:blip r:embed="rId2"/>
+          <a:stretch>
+            <a:fillRect/>
+          </a:stretch>
+        </p:blipFill>
+        <p:spPr>
+          <a:xfrm>
+            <a:off x="0" y="2065193"/>
+            <a:ext cx="12192000" cy="2727614"/>
+          </a:xfrm>
+          <a:prstGeom prst="rect">
+            <a:avLst/>
+          </a:prstGeom>
+        </p:spPr>
+      </p:pic>
+    </p:spTree>
+    <p:extLst>
+      <p:ext uri="{BB962C8B-B14F-4D97-AF65-F5344CB8AC3E}">
+        <p14:creationId xmlns:p14="http://schemas.microsoft.com/office/powerpoint/2010/main" val="393005044"/>
+      </p:ext>
+    </p:extLst>
+  </p:cSld>
+  <p:clrMapOvr>
+    <a:masterClrMapping/>
+  </p:clrMapOvr>
+</p:sld>
+</file>
+
+<file path=ppt/slides/slide9.xml><?xml version="1.0" encoding="utf-8"?>
+<p:sld xmlns:a="http://schemas.openxmlformats.org/drawingml/2006/main" xmlns:r="http://schemas.openxmlformats.org/officeDocument/2006/relationships" xmlns:p="http://schemas.openxmlformats.org/presentationml/2006/main">
+  <p:cSld>
+    <p:spTree>
+      <p:nvGrpSpPr>
+        <p:cNvPr id="1" name=""/>
+        <p:cNvGrpSpPr/>
+        <p:nvPr/>
+      </p:nvGrpSpPr>
+      <p:grpSpPr>
+        <a:xfrm>
+          <a:off x="0" y="0"/>
+          <a:ext cx="0" cy="0"/>
+          <a:chOff x="0" y="0"/>
+          <a:chExt cx="0" cy="0"/>
+        </a:xfrm>
+      </p:grpSpPr>
+      <p:sp>
+        <p:nvSpPr>
+          <p:cNvPr id="2" name="Title 1">
+            <a:extLst>
+              <a:ext uri="{FF2B5EF4-FFF2-40B4-BE49-F238E27FC236}">
+                <a16:creationId xmlns:a16="http://schemas.microsoft.com/office/drawing/2014/main" id="{89A2EE30-357E-55E8-BC29-3AB9BA680866}"/>
+              </a:ext>
+            </a:extLst>
+          </p:cNvPr>
+          <p:cNvSpPr>
+            <a:spLocks noGrp="1"/>
+          </p:cNvSpPr>
+          <p:nvPr>
+            <p:ph type="title"/>
+          </p:nvPr>
+        </p:nvSpPr>
+        <p:spPr/>
+        <p:txBody>
+          <a:bodyPr/>
+          <a:lstStyle/>
+          <a:p>
+            <a:r>
+              <a:rPr lang="en-US" dirty="0"/>
+              <a:t>Button press at </a:t>
+            </a:r>
+            <a:r>
+              <a:rPr lang="en-US" dirty="0" err="1"/>
+              <a:t>Cz</a:t>
+            </a:r>
+            <a:endParaRPr lang="en-US" dirty="0"/>
+          </a:p>
+        </p:txBody>
+      </p:sp>
+      <p:sp>
+        <p:nvSpPr>
+          <p:cNvPr id="3" name="Content Placeholder 2">
+            <a:extLst>
+              <a:ext uri="{FF2B5EF4-FFF2-40B4-BE49-F238E27FC236}">
+                <a16:creationId xmlns:a16="http://schemas.microsoft.com/office/drawing/2014/main" id="{9787297F-4C6E-8751-8179-691CE208B709}"/>
+              </a:ext>
+            </a:extLst>
+          </p:cNvPr>
+          <p:cNvSpPr>
+            <a:spLocks noGrp="1"/>
+          </p:cNvSpPr>
+          <p:nvPr>
+            <p:ph idx="1"/>
+          </p:nvPr>
+        </p:nvSpPr>
+        <p:spPr/>
+        <p:txBody>
+          <a:bodyPr/>
+          <a:lstStyle/>
+          <a:p>
+            <a:endParaRPr lang="en-US"/>
+          </a:p>
+        </p:txBody>
+      </p:sp>
+    </p:spTree>
+    <p:extLst>
+      <p:ext uri="{BB962C8B-B14F-4D97-AF65-F5344CB8AC3E}">
+        <p14:creationId xmlns:p14="http://schemas.microsoft.com/office/powerpoint/2010/main" val="3051680369"/>
       </p:ext>
     </p:extLst>
   </p:cSld>

--- a/mild_master_neuroimaging_pilot.pptx
+++ b/mild_master_neuroimaging_pilot.pptx
@@ -4,18 +4,26 @@
   <p:sldMasterIdLst>
     <p:sldMasterId id="2147483648" r:id="rId1"/>
   </p:sldMasterIdLst>
+  <p:notesMasterIdLst>
+    <p:notesMasterId r:id="rId18"/>
+  </p:notesMasterIdLst>
   <p:sldIdLst>
     <p:sldId id="256" r:id="rId2"/>
-    <p:sldId id="257" r:id="rId3"/>
-    <p:sldId id="258" r:id="rId4"/>
-    <p:sldId id="262" r:id="rId5"/>
-    <p:sldId id="259" r:id="rId6"/>
-    <p:sldId id="260" r:id="rId7"/>
-    <p:sldId id="261" r:id="rId8"/>
-    <p:sldId id="263" r:id="rId9"/>
-    <p:sldId id="264" r:id="rId10"/>
-    <p:sldId id="265" r:id="rId11"/>
-    <p:sldId id="266" r:id="rId12"/>
+    <p:sldId id="276" r:id="rId3"/>
+    <p:sldId id="257" r:id="rId4"/>
+    <p:sldId id="258" r:id="rId5"/>
+    <p:sldId id="270" r:id="rId6"/>
+    <p:sldId id="271" r:id="rId7"/>
+    <p:sldId id="272" r:id="rId8"/>
+    <p:sldId id="273" r:id="rId9"/>
+    <p:sldId id="274" r:id="rId10"/>
+    <p:sldId id="262" r:id="rId11"/>
+    <p:sldId id="263" r:id="rId12"/>
+    <p:sldId id="264" r:id="rId13"/>
+    <p:sldId id="267" r:id="rId14"/>
+    <p:sldId id="268" r:id="rId15"/>
+    <p:sldId id="269" r:id="rId16"/>
+    <p:sldId id="277" r:id="rId17"/>
   </p:sldIdLst>
   <p:sldSz cx="12192000" cy="6858000"/>
   <p:notesSz cx="6858000" cy="9144000"/>
@@ -120,6 +128,439 @@
     </p:ext>
   </p:extLst>
 </p:presentation>
+</file>
+
+<file path=ppt/notesMasters/notesMaster1.xml><?xml version="1.0" encoding="utf-8"?>
+<p:notesMaster xmlns:a="http://schemas.openxmlformats.org/drawingml/2006/main" xmlns:r="http://schemas.openxmlformats.org/officeDocument/2006/relationships" xmlns:p="http://schemas.openxmlformats.org/presentationml/2006/main">
+  <p:cSld>
+    <p:bg>
+      <p:bgRef idx="1001">
+        <a:schemeClr val="bg1"/>
+      </p:bgRef>
+    </p:bg>
+    <p:spTree>
+      <p:nvGrpSpPr>
+        <p:cNvPr id="1" name=""/>
+        <p:cNvGrpSpPr/>
+        <p:nvPr/>
+      </p:nvGrpSpPr>
+      <p:grpSpPr>
+        <a:xfrm>
+          <a:off x="0" y="0"/>
+          <a:ext cx="0" cy="0"/>
+          <a:chOff x="0" y="0"/>
+          <a:chExt cx="0" cy="0"/>
+        </a:xfrm>
+      </p:grpSpPr>
+      <p:sp>
+        <p:nvSpPr>
+          <p:cNvPr id="2" name="Header Placeholder 1"/>
+          <p:cNvSpPr>
+            <a:spLocks noGrp="1"/>
+          </p:cNvSpPr>
+          <p:nvPr>
+            <p:ph type="hdr" sz="quarter"/>
+          </p:nvPr>
+        </p:nvSpPr>
+        <p:spPr>
+          <a:xfrm>
+            <a:off x="0" y="0"/>
+            <a:ext cx="2971800" cy="458788"/>
+          </a:xfrm>
+          <a:prstGeom prst="rect">
+            <a:avLst/>
+          </a:prstGeom>
+        </p:spPr>
+        <p:txBody>
+          <a:bodyPr vert="horz" lIns="91440" tIns="45720" rIns="91440" bIns="45720" rtlCol="0"/>
+          <a:lstStyle>
+            <a:lvl1pPr algn="l">
+              <a:defRPr sz="1200"/>
+            </a:lvl1pPr>
+          </a:lstStyle>
+          <a:p>
+            <a:endParaRPr lang="en-US"/>
+          </a:p>
+        </p:txBody>
+      </p:sp>
+      <p:sp>
+        <p:nvSpPr>
+          <p:cNvPr id="3" name="Date Placeholder 2"/>
+          <p:cNvSpPr>
+            <a:spLocks noGrp="1"/>
+          </p:cNvSpPr>
+          <p:nvPr>
+            <p:ph type="dt" idx="1"/>
+          </p:nvPr>
+        </p:nvSpPr>
+        <p:spPr>
+          <a:xfrm>
+            <a:off x="3884613" y="0"/>
+            <a:ext cx="2971800" cy="458788"/>
+          </a:xfrm>
+          <a:prstGeom prst="rect">
+            <a:avLst/>
+          </a:prstGeom>
+        </p:spPr>
+        <p:txBody>
+          <a:bodyPr vert="horz" lIns="91440" tIns="45720" rIns="91440" bIns="45720" rtlCol="0"/>
+          <a:lstStyle>
+            <a:lvl1pPr algn="r">
+              <a:defRPr sz="1200"/>
+            </a:lvl1pPr>
+          </a:lstStyle>
+          <a:p>
+            <a:fld id="{DFAF2040-71BD-4C63-8AE0-E33AFF4E2C61}" type="datetimeFigureOut">
+              <a:rPr lang="en-US" smtClean="0"/>
+              <a:t>10/9/2024</a:t>
+            </a:fld>
+            <a:endParaRPr lang="en-US"/>
+          </a:p>
+        </p:txBody>
+      </p:sp>
+      <p:sp>
+        <p:nvSpPr>
+          <p:cNvPr id="4" name="Slide Image Placeholder 3"/>
+          <p:cNvSpPr>
+            <a:spLocks noGrp="1" noRot="1" noChangeAspect="1"/>
+          </p:cNvSpPr>
+          <p:nvPr>
+            <p:ph type="sldImg" idx="2"/>
+          </p:nvPr>
+        </p:nvSpPr>
+        <p:spPr>
+          <a:xfrm>
+            <a:off x="685800" y="1143000"/>
+            <a:ext cx="5486400" cy="3086100"/>
+          </a:xfrm>
+          <a:prstGeom prst="rect">
+            <a:avLst/>
+          </a:prstGeom>
+          <a:noFill/>
+          <a:ln w="12700">
+            <a:solidFill>
+              <a:prstClr val="black"/>
+            </a:solidFill>
+          </a:ln>
+        </p:spPr>
+        <p:txBody>
+          <a:bodyPr vert="horz" lIns="91440" tIns="45720" rIns="91440" bIns="45720" rtlCol="0" anchor="ctr"/>
+          <a:lstStyle/>
+          <a:p>
+            <a:endParaRPr lang="en-US"/>
+          </a:p>
+        </p:txBody>
+      </p:sp>
+      <p:sp>
+        <p:nvSpPr>
+          <p:cNvPr id="5" name="Notes Placeholder 4"/>
+          <p:cNvSpPr>
+            <a:spLocks noGrp="1"/>
+          </p:cNvSpPr>
+          <p:nvPr>
+            <p:ph type="body" sz="quarter" idx="3"/>
+          </p:nvPr>
+        </p:nvSpPr>
+        <p:spPr>
+          <a:xfrm>
+            <a:off x="685800" y="4400550"/>
+            <a:ext cx="5486400" cy="3600450"/>
+          </a:xfrm>
+          <a:prstGeom prst="rect">
+            <a:avLst/>
+          </a:prstGeom>
+        </p:spPr>
+        <p:txBody>
+          <a:bodyPr vert="horz" lIns="91440" tIns="45720" rIns="91440" bIns="45720" rtlCol="0"/>
+          <a:lstStyle/>
+          <a:p>
+            <a:pPr lvl="0"/>
+            <a:r>
+              <a:rPr lang="en-US"/>
+              <a:t>Click to edit Master text styles</a:t>
+            </a:r>
+          </a:p>
+          <a:p>
+            <a:pPr lvl="1"/>
+            <a:r>
+              <a:rPr lang="en-US"/>
+              <a:t>Second level</a:t>
+            </a:r>
+          </a:p>
+          <a:p>
+            <a:pPr lvl="2"/>
+            <a:r>
+              <a:rPr lang="en-US"/>
+              <a:t>Third level</a:t>
+            </a:r>
+          </a:p>
+          <a:p>
+            <a:pPr lvl="3"/>
+            <a:r>
+              <a:rPr lang="en-US"/>
+              <a:t>Fourth level</a:t>
+            </a:r>
+          </a:p>
+          <a:p>
+            <a:pPr lvl="4"/>
+            <a:r>
+              <a:rPr lang="en-US"/>
+              <a:t>Fifth level</a:t>
+            </a:r>
+          </a:p>
+        </p:txBody>
+      </p:sp>
+      <p:sp>
+        <p:nvSpPr>
+          <p:cNvPr id="6" name="Footer Placeholder 5"/>
+          <p:cNvSpPr>
+            <a:spLocks noGrp="1"/>
+          </p:cNvSpPr>
+          <p:nvPr>
+            <p:ph type="ftr" sz="quarter" idx="4"/>
+          </p:nvPr>
+        </p:nvSpPr>
+        <p:spPr>
+          <a:xfrm>
+            <a:off x="0" y="8685213"/>
+            <a:ext cx="2971800" cy="458787"/>
+          </a:xfrm>
+          <a:prstGeom prst="rect">
+            <a:avLst/>
+          </a:prstGeom>
+        </p:spPr>
+        <p:txBody>
+          <a:bodyPr vert="horz" lIns="91440" tIns="45720" rIns="91440" bIns="45720" rtlCol="0" anchor="b"/>
+          <a:lstStyle>
+            <a:lvl1pPr algn="l">
+              <a:defRPr sz="1200"/>
+            </a:lvl1pPr>
+          </a:lstStyle>
+          <a:p>
+            <a:endParaRPr lang="en-US"/>
+          </a:p>
+        </p:txBody>
+      </p:sp>
+      <p:sp>
+        <p:nvSpPr>
+          <p:cNvPr id="7" name="Slide Number Placeholder 6"/>
+          <p:cNvSpPr>
+            <a:spLocks noGrp="1"/>
+          </p:cNvSpPr>
+          <p:nvPr>
+            <p:ph type="sldNum" sz="quarter" idx="5"/>
+          </p:nvPr>
+        </p:nvSpPr>
+        <p:spPr>
+          <a:xfrm>
+            <a:off x="3884613" y="8685213"/>
+            <a:ext cx="2971800" cy="458787"/>
+          </a:xfrm>
+          <a:prstGeom prst="rect">
+            <a:avLst/>
+          </a:prstGeom>
+        </p:spPr>
+        <p:txBody>
+          <a:bodyPr vert="horz" lIns="91440" tIns="45720" rIns="91440" bIns="45720" rtlCol="0" anchor="b"/>
+          <a:lstStyle>
+            <a:lvl1pPr algn="r">
+              <a:defRPr sz="1200"/>
+            </a:lvl1pPr>
+          </a:lstStyle>
+          <a:p>
+            <a:fld id="{EC36A374-1164-45C8-97E8-5BA8A8E01ECC}" type="slidenum">
+              <a:rPr lang="en-US" smtClean="0"/>
+              <a:t>‹#›</a:t>
+            </a:fld>
+            <a:endParaRPr lang="en-US"/>
+          </a:p>
+        </p:txBody>
+      </p:sp>
+    </p:spTree>
+    <p:extLst>
+      <p:ext uri="{BB962C8B-B14F-4D97-AF65-F5344CB8AC3E}">
+        <p14:creationId xmlns:p14="http://schemas.microsoft.com/office/powerpoint/2010/main" val="3679466932"/>
+      </p:ext>
+    </p:extLst>
+  </p:cSld>
+  <p:clrMap bg1="lt1" tx1="dk1" bg2="lt2" tx2="dk2" accent1="accent1" accent2="accent2" accent3="accent3" accent4="accent4" accent5="accent5" accent6="accent6" hlink="hlink" folHlink="folHlink"/>
+  <p:notesStyle>
+    <a:lvl1pPr marL="0" algn="l" defTabSz="914400" rtl="0" eaLnBrk="1" latinLnBrk="0" hangingPunct="1">
+      <a:defRPr sz="1200" kern="1200">
+        <a:solidFill>
+          <a:schemeClr val="tx1"/>
+        </a:solidFill>
+        <a:latin typeface="+mn-lt"/>
+        <a:ea typeface="+mn-ea"/>
+        <a:cs typeface="+mn-cs"/>
+      </a:defRPr>
+    </a:lvl1pPr>
+    <a:lvl2pPr marL="457200" algn="l" defTabSz="914400" rtl="0" eaLnBrk="1" latinLnBrk="0" hangingPunct="1">
+      <a:defRPr sz="1200" kern="1200">
+        <a:solidFill>
+          <a:schemeClr val="tx1"/>
+        </a:solidFill>
+        <a:latin typeface="+mn-lt"/>
+        <a:ea typeface="+mn-ea"/>
+        <a:cs typeface="+mn-cs"/>
+      </a:defRPr>
+    </a:lvl2pPr>
+    <a:lvl3pPr marL="914400" algn="l" defTabSz="914400" rtl="0" eaLnBrk="1" latinLnBrk="0" hangingPunct="1">
+      <a:defRPr sz="1200" kern="1200">
+        <a:solidFill>
+          <a:schemeClr val="tx1"/>
+        </a:solidFill>
+        <a:latin typeface="+mn-lt"/>
+        <a:ea typeface="+mn-ea"/>
+        <a:cs typeface="+mn-cs"/>
+      </a:defRPr>
+    </a:lvl3pPr>
+    <a:lvl4pPr marL="1371600" algn="l" defTabSz="914400" rtl="0" eaLnBrk="1" latinLnBrk="0" hangingPunct="1">
+      <a:defRPr sz="1200" kern="1200">
+        <a:solidFill>
+          <a:schemeClr val="tx1"/>
+        </a:solidFill>
+        <a:latin typeface="+mn-lt"/>
+        <a:ea typeface="+mn-ea"/>
+        <a:cs typeface="+mn-cs"/>
+      </a:defRPr>
+    </a:lvl4pPr>
+    <a:lvl5pPr marL="1828800" algn="l" defTabSz="914400" rtl="0" eaLnBrk="1" latinLnBrk="0" hangingPunct="1">
+      <a:defRPr sz="1200" kern="1200">
+        <a:solidFill>
+          <a:schemeClr val="tx1"/>
+        </a:solidFill>
+        <a:latin typeface="+mn-lt"/>
+        <a:ea typeface="+mn-ea"/>
+        <a:cs typeface="+mn-cs"/>
+      </a:defRPr>
+    </a:lvl5pPr>
+    <a:lvl6pPr marL="2286000" algn="l" defTabSz="914400" rtl="0" eaLnBrk="1" latinLnBrk="0" hangingPunct="1">
+      <a:defRPr sz="1200" kern="1200">
+        <a:solidFill>
+          <a:schemeClr val="tx1"/>
+        </a:solidFill>
+        <a:latin typeface="+mn-lt"/>
+        <a:ea typeface="+mn-ea"/>
+        <a:cs typeface="+mn-cs"/>
+      </a:defRPr>
+    </a:lvl6pPr>
+    <a:lvl7pPr marL="2743200" algn="l" defTabSz="914400" rtl="0" eaLnBrk="1" latinLnBrk="0" hangingPunct="1">
+      <a:defRPr sz="1200" kern="1200">
+        <a:solidFill>
+          <a:schemeClr val="tx1"/>
+        </a:solidFill>
+        <a:latin typeface="+mn-lt"/>
+        <a:ea typeface="+mn-ea"/>
+        <a:cs typeface="+mn-cs"/>
+      </a:defRPr>
+    </a:lvl7pPr>
+    <a:lvl8pPr marL="3200400" algn="l" defTabSz="914400" rtl="0" eaLnBrk="1" latinLnBrk="0" hangingPunct="1">
+      <a:defRPr sz="1200" kern="1200">
+        <a:solidFill>
+          <a:schemeClr val="tx1"/>
+        </a:solidFill>
+        <a:latin typeface="+mn-lt"/>
+        <a:ea typeface="+mn-ea"/>
+        <a:cs typeface="+mn-cs"/>
+      </a:defRPr>
+    </a:lvl8pPr>
+    <a:lvl9pPr marL="3657600" algn="l" defTabSz="914400" rtl="0" eaLnBrk="1" latinLnBrk="0" hangingPunct="1">
+      <a:defRPr sz="1200" kern="1200">
+        <a:solidFill>
+          <a:schemeClr val="tx1"/>
+        </a:solidFill>
+        <a:latin typeface="+mn-lt"/>
+        <a:ea typeface="+mn-ea"/>
+        <a:cs typeface="+mn-cs"/>
+      </a:defRPr>
+    </a:lvl9pPr>
+  </p:notesStyle>
+</p:notesMaster>
+</file>
+
+<file path=ppt/notesSlides/notesSlide1.xml><?xml version="1.0" encoding="utf-8"?>
+<p:notes xmlns:a="http://schemas.openxmlformats.org/drawingml/2006/main" xmlns:r="http://schemas.openxmlformats.org/officeDocument/2006/relationships" xmlns:p="http://schemas.openxmlformats.org/presentationml/2006/main">
+  <p:cSld>
+    <p:spTree>
+      <p:nvGrpSpPr>
+        <p:cNvPr id="1" name=""/>
+        <p:cNvGrpSpPr/>
+        <p:nvPr/>
+      </p:nvGrpSpPr>
+      <p:grpSpPr>
+        <a:xfrm>
+          <a:off x="0" y="0"/>
+          <a:ext cx="0" cy="0"/>
+          <a:chOff x="0" y="0"/>
+          <a:chExt cx="0" cy="0"/>
+        </a:xfrm>
+      </p:grpSpPr>
+      <p:sp>
+        <p:nvSpPr>
+          <p:cNvPr id="2" name="Slide Image Placeholder 1"/>
+          <p:cNvSpPr>
+            <a:spLocks noGrp="1" noRot="1" noChangeAspect="1"/>
+          </p:cNvSpPr>
+          <p:nvPr>
+            <p:ph type="sldImg"/>
+          </p:nvPr>
+        </p:nvSpPr>
+        <p:spPr/>
+      </p:sp>
+      <p:sp>
+        <p:nvSpPr>
+          <p:cNvPr id="3" name="Notes Placeholder 2"/>
+          <p:cNvSpPr>
+            <a:spLocks noGrp="1"/>
+          </p:cNvSpPr>
+          <p:nvPr>
+            <p:ph type="body" idx="1"/>
+          </p:nvPr>
+        </p:nvSpPr>
+        <p:spPr/>
+        <p:txBody>
+          <a:bodyPr/>
+          <a:lstStyle/>
+          <a:p>
+            <a:endParaRPr lang="en-US" dirty="0"/>
+          </a:p>
+        </p:txBody>
+      </p:sp>
+      <p:sp>
+        <p:nvSpPr>
+          <p:cNvPr id="4" name="Slide Number Placeholder 3"/>
+          <p:cNvSpPr>
+            <a:spLocks noGrp="1"/>
+          </p:cNvSpPr>
+          <p:nvPr>
+            <p:ph type="sldNum" sz="quarter" idx="5"/>
+          </p:nvPr>
+        </p:nvSpPr>
+        <p:spPr/>
+        <p:txBody>
+          <a:bodyPr/>
+          <a:lstStyle/>
+          <a:p>
+            <a:fld id="{6382409D-E303-4C5C-8B9A-4A67C57AEA9B}" type="slidenum">
+              <a:rPr lang="en-US" smtClean="0"/>
+              <a:t>2</a:t>
+            </a:fld>
+            <a:endParaRPr lang="en-US"/>
+          </a:p>
+        </p:txBody>
+      </p:sp>
+    </p:spTree>
+    <p:extLst>
+      <p:ext uri="{BB962C8B-B14F-4D97-AF65-F5344CB8AC3E}">
+        <p14:creationId xmlns:p14="http://schemas.microsoft.com/office/powerpoint/2010/main" val="279821008"/>
+      </p:ext>
+    </p:extLst>
+  </p:cSld>
+  <p:clrMapOvr>
+    <a:masterClrMapping/>
+  </p:clrMapOvr>
+</p:notes>
 </file>
 
 <file path=ppt/slideLayouts/slideLayout1.xml><?xml version="1.0" encoding="utf-8"?>
@@ -3424,7 +3865,7 @@
           <p:cNvPr id="2" name="Title 1">
             <a:extLst>
               <a:ext uri="{FF2B5EF4-FFF2-40B4-BE49-F238E27FC236}">
-                <a16:creationId xmlns:a16="http://schemas.microsoft.com/office/drawing/2014/main" id="{92D6B347-E763-522C-AA0B-C90B39544C29}"/>
+                <a16:creationId xmlns:a16="http://schemas.microsoft.com/office/drawing/2014/main" id="{55741FC5-10CB-5744-6FE0-C1F3651D1401}"/>
               </a:ext>
             </a:extLst>
           </p:cNvPr>
@@ -3435,47 +3876,56 @@
             <p:ph type="title"/>
           </p:nvPr>
         </p:nvSpPr>
-        <p:spPr/>
+        <p:spPr>
+          <a:xfrm>
+            <a:off x="838200" y="141605"/>
+            <a:ext cx="10515600" cy="874395"/>
+          </a:xfrm>
+        </p:spPr>
         <p:txBody>
           <a:bodyPr/>
           <a:lstStyle/>
           <a:p>
             <a:r>
               <a:rPr lang="en-US" dirty="0"/>
-              <a:t>Button Press at Fz</a:t>
-            </a:r>
-          </a:p>
-        </p:txBody>
-      </p:sp>
-      <p:sp>
-        <p:nvSpPr>
-          <p:cNvPr id="3" name="Content Placeholder 2">
-            <a:extLst>
-              <a:ext uri="{FF2B5EF4-FFF2-40B4-BE49-F238E27FC236}">
-                <a16:creationId xmlns:a16="http://schemas.microsoft.com/office/drawing/2014/main" id="{3DE9DE59-7C49-0907-F7FA-AC2E3C018D9F}"/>
-              </a:ext>
-            </a:extLst>
-          </p:cNvPr>
-          <p:cNvSpPr>
-            <a:spLocks noGrp="1"/>
-          </p:cNvSpPr>
-          <p:nvPr>
-            <p:ph idx="1"/>
-          </p:nvPr>
-        </p:nvSpPr>
-        <p:spPr/>
-        <p:txBody>
-          <a:bodyPr/>
-          <a:lstStyle/>
-          <a:p>
-            <a:endParaRPr lang="en-US"/>
-          </a:p>
-        </p:txBody>
-      </p:sp>
+              <a:t>Mean ERP topographies</a:t>
+            </a:r>
+          </a:p>
+        </p:txBody>
+      </p:sp>
+      <p:pic>
+        <p:nvPicPr>
+          <p:cNvPr id="4" name="Picture 3">
+            <a:extLst>
+              <a:ext uri="{FF2B5EF4-FFF2-40B4-BE49-F238E27FC236}">
+                <a16:creationId xmlns:a16="http://schemas.microsoft.com/office/drawing/2014/main" id="{9AFF2D63-BF07-132E-5D70-2E97F10A1509}"/>
+              </a:ext>
+            </a:extLst>
+          </p:cNvPr>
+          <p:cNvPicPr>
+            <a:picLocks noChangeAspect="1"/>
+          </p:cNvPicPr>
+          <p:nvPr/>
+        </p:nvPicPr>
+        <p:blipFill>
+          <a:blip r:embed="rId2"/>
+          <a:srcRect l="7541" t="3115" r="8583" b="6691"/>
+          <a:stretch/>
+        </p:blipFill>
+        <p:spPr>
+          <a:xfrm>
+            <a:off x="378460" y="843279"/>
+            <a:ext cx="11435080" cy="5930563"/>
+          </a:xfrm>
+          <a:prstGeom prst="rect">
+            <a:avLst/>
+          </a:prstGeom>
+        </p:spPr>
+      </p:pic>
     </p:spTree>
     <p:extLst>
       <p:ext uri="{BB962C8B-B14F-4D97-AF65-F5344CB8AC3E}">
-        <p14:creationId xmlns:p14="http://schemas.microsoft.com/office/powerpoint/2010/main" val="676225538"/>
+        <p14:creationId xmlns:p14="http://schemas.microsoft.com/office/powerpoint/2010/main" val="58717464"/>
       </p:ext>
     </p:extLst>
   </p:cSld>
@@ -3507,7 +3957,7 @@
           <p:cNvPr id="2" name="Title 1">
             <a:extLst>
               <a:ext uri="{FF2B5EF4-FFF2-40B4-BE49-F238E27FC236}">
-                <a16:creationId xmlns:a16="http://schemas.microsoft.com/office/drawing/2014/main" id="{90E11623-04AF-CB7B-1957-37E0AB503E50}"/>
+                <a16:creationId xmlns:a16="http://schemas.microsoft.com/office/drawing/2014/main" id="{BD6EADF0-7BB1-AE90-BC76-965A07600CE6}"/>
               </a:ext>
             </a:extLst>
           </p:cNvPr>
@@ -3525,44 +3975,485 @@
           <a:p>
             <a:r>
               <a:rPr lang="en-US" dirty="0"/>
-              <a:t>Button Press at </a:t>
-            </a:r>
-            <a:r>
-              <a:rPr lang="en-US"/>
-              <a:t>Pz</a:t>
-            </a:r>
-          </a:p>
-        </p:txBody>
-      </p:sp>
-      <p:sp>
-        <p:nvSpPr>
-          <p:cNvPr id="3" name="Content Placeholder 2">
-            <a:extLst>
-              <a:ext uri="{FF2B5EF4-FFF2-40B4-BE49-F238E27FC236}">
-                <a16:creationId xmlns:a16="http://schemas.microsoft.com/office/drawing/2014/main" id="{604A3052-AE72-4179-F744-E5112BF4CDEA}"/>
-              </a:ext>
-            </a:extLst>
-          </p:cNvPr>
-          <p:cNvSpPr>
-            <a:spLocks noGrp="1"/>
-          </p:cNvSpPr>
-          <p:nvPr>
-            <p:ph idx="1"/>
-          </p:nvPr>
-        </p:nvSpPr>
-        <p:spPr/>
-        <p:txBody>
-          <a:bodyPr/>
-          <a:lstStyle/>
-          <a:p>
-            <a:endParaRPr lang="en-US"/>
-          </a:p>
-        </p:txBody>
-      </p:sp>
+              <a:t>Button press topography</a:t>
+            </a:r>
+          </a:p>
+        </p:txBody>
+      </p:sp>
+      <p:pic>
+        <p:nvPicPr>
+          <p:cNvPr id="5" name="Picture 4">
+            <a:extLst>
+              <a:ext uri="{FF2B5EF4-FFF2-40B4-BE49-F238E27FC236}">
+                <a16:creationId xmlns:a16="http://schemas.microsoft.com/office/drawing/2014/main" id="{D1962397-F3F7-2FAC-0060-E34A1EFEBCA4}"/>
+              </a:ext>
+            </a:extLst>
+          </p:cNvPr>
+          <p:cNvPicPr>
+            <a:picLocks noChangeAspect="1"/>
+          </p:cNvPicPr>
+          <p:nvPr/>
+        </p:nvPicPr>
+        <p:blipFill>
+          <a:blip r:embed="rId2"/>
+          <a:stretch>
+            <a:fillRect/>
+          </a:stretch>
+        </p:blipFill>
+        <p:spPr>
+          <a:xfrm>
+            <a:off x="0" y="2065193"/>
+            <a:ext cx="12192000" cy="2727614"/>
+          </a:xfrm>
+          <a:prstGeom prst="rect">
+            <a:avLst/>
+          </a:prstGeom>
+        </p:spPr>
+      </p:pic>
     </p:spTree>
     <p:extLst>
       <p:ext uri="{BB962C8B-B14F-4D97-AF65-F5344CB8AC3E}">
-        <p14:creationId xmlns:p14="http://schemas.microsoft.com/office/powerpoint/2010/main" val="214353769"/>
+        <p14:creationId xmlns:p14="http://schemas.microsoft.com/office/powerpoint/2010/main" val="393005044"/>
+      </p:ext>
+    </p:extLst>
+  </p:cSld>
+  <p:clrMapOvr>
+    <a:masterClrMapping/>
+  </p:clrMapOvr>
+</p:sld>
+</file>
+
+<file path=ppt/slides/slide12.xml><?xml version="1.0" encoding="utf-8"?>
+<p:sld xmlns:a="http://schemas.openxmlformats.org/drawingml/2006/main" xmlns:r="http://schemas.openxmlformats.org/officeDocument/2006/relationships" xmlns:p="http://schemas.openxmlformats.org/presentationml/2006/main">
+  <p:cSld>
+    <p:spTree>
+      <p:nvGrpSpPr>
+        <p:cNvPr id="1" name=""/>
+        <p:cNvGrpSpPr/>
+        <p:nvPr/>
+      </p:nvGrpSpPr>
+      <p:grpSpPr>
+        <a:xfrm>
+          <a:off x="0" y="0"/>
+          <a:ext cx="0" cy="0"/>
+          <a:chOff x="0" y="0"/>
+          <a:chExt cx="0" cy="0"/>
+        </a:xfrm>
+      </p:grpSpPr>
+      <p:sp>
+        <p:nvSpPr>
+          <p:cNvPr id="2" name="Title 1">
+            <a:extLst>
+              <a:ext uri="{FF2B5EF4-FFF2-40B4-BE49-F238E27FC236}">
+                <a16:creationId xmlns:a16="http://schemas.microsoft.com/office/drawing/2014/main" id="{89A2EE30-357E-55E8-BC29-3AB9BA680866}"/>
+              </a:ext>
+            </a:extLst>
+          </p:cNvPr>
+          <p:cNvSpPr>
+            <a:spLocks noGrp="1"/>
+          </p:cNvSpPr>
+          <p:nvPr>
+            <p:ph type="title"/>
+          </p:nvPr>
+        </p:nvSpPr>
+        <p:spPr/>
+        <p:txBody>
+          <a:bodyPr/>
+          <a:lstStyle/>
+          <a:p>
+            <a:r>
+              <a:rPr lang="en-US" dirty="0"/>
+              <a:t>Button press at </a:t>
+            </a:r>
+            <a:r>
+              <a:rPr lang="en-US" dirty="0" err="1"/>
+              <a:t>Cz</a:t>
+            </a:r>
+            <a:r>
+              <a:rPr lang="en-US" dirty="0"/>
+              <a:t>, Fz, and </a:t>
+            </a:r>
+            <a:r>
+              <a:rPr lang="en-US" dirty="0" err="1"/>
+              <a:t>Pz</a:t>
+            </a:r>
+            <a:endParaRPr lang="en-US" dirty="0"/>
+          </a:p>
+        </p:txBody>
+      </p:sp>
+      <p:pic>
+        <p:nvPicPr>
+          <p:cNvPr id="5" name="Content Placeholder 4">
+            <a:extLst>
+              <a:ext uri="{FF2B5EF4-FFF2-40B4-BE49-F238E27FC236}">
+                <a16:creationId xmlns:a16="http://schemas.microsoft.com/office/drawing/2014/main" id="{76AD1B0A-97CC-AEF4-9602-E5E94D20663D}"/>
+              </a:ext>
+            </a:extLst>
+          </p:cNvPr>
+          <p:cNvPicPr>
+            <a:picLocks noGrp="1" noChangeAspect="1"/>
+          </p:cNvPicPr>
+          <p:nvPr>
+            <p:ph idx="1"/>
+          </p:nvPr>
+        </p:nvPicPr>
+        <p:blipFill>
+          <a:blip r:embed="rId2"/>
+          <a:stretch>
+            <a:fillRect/>
+          </a:stretch>
+        </p:blipFill>
+        <p:spPr>
+          <a:xfrm>
+            <a:off x="3840480" y="1444655"/>
+            <a:ext cx="4958080" cy="4946706"/>
+          </a:xfrm>
+        </p:spPr>
+      </p:pic>
+    </p:spTree>
+    <p:extLst>
+      <p:ext uri="{BB962C8B-B14F-4D97-AF65-F5344CB8AC3E}">
+        <p14:creationId xmlns:p14="http://schemas.microsoft.com/office/powerpoint/2010/main" val="3051680369"/>
+      </p:ext>
+    </p:extLst>
+  </p:cSld>
+  <p:clrMapOvr>
+    <a:masterClrMapping/>
+  </p:clrMapOvr>
+</p:sld>
+</file>
+
+<file path=ppt/slides/slide13.xml><?xml version="1.0" encoding="utf-8"?>
+<p:sld xmlns:a="http://schemas.openxmlformats.org/drawingml/2006/main" xmlns:r="http://schemas.openxmlformats.org/officeDocument/2006/relationships" xmlns:p="http://schemas.openxmlformats.org/presentationml/2006/main">
+  <p:cSld>
+    <p:spTree>
+      <p:nvGrpSpPr>
+        <p:cNvPr id="1" name=""/>
+        <p:cNvGrpSpPr/>
+        <p:nvPr/>
+      </p:nvGrpSpPr>
+      <p:grpSpPr>
+        <a:xfrm>
+          <a:off x="0" y="0"/>
+          <a:ext cx="0" cy="0"/>
+          <a:chOff x="0" y="0"/>
+          <a:chExt cx="0" cy="0"/>
+        </a:xfrm>
+      </p:grpSpPr>
+      <p:sp>
+        <p:nvSpPr>
+          <p:cNvPr id="2" name="Title 1">
+            <a:extLst>
+              <a:ext uri="{FF2B5EF4-FFF2-40B4-BE49-F238E27FC236}">
+                <a16:creationId xmlns:a16="http://schemas.microsoft.com/office/drawing/2014/main" id="{09BC3602-B63C-22D4-50A3-9BEE5B91435B}"/>
+              </a:ext>
+            </a:extLst>
+          </p:cNvPr>
+          <p:cNvSpPr>
+            <a:spLocks noGrp="1"/>
+          </p:cNvSpPr>
+          <p:nvPr>
+            <p:ph type="title"/>
+          </p:nvPr>
+        </p:nvSpPr>
+        <p:spPr>
+          <a:xfrm>
+            <a:off x="838200" y="365125"/>
+            <a:ext cx="10515600" cy="244475"/>
+          </a:xfrm>
+        </p:spPr>
+        <p:txBody>
+          <a:bodyPr>
+            <a:normAutofit fontScale="90000"/>
+          </a:bodyPr>
+          <a:lstStyle/>
+          <a:p>
+            <a:r>
+              <a:rPr lang="en-US" dirty="0"/>
+              <a:t>Spectrogram of whole trial</a:t>
+            </a:r>
+          </a:p>
+        </p:txBody>
+      </p:sp>
+      <p:pic>
+        <p:nvPicPr>
+          <p:cNvPr id="8" name="Picture 7">
+            <a:extLst>
+              <a:ext uri="{FF2B5EF4-FFF2-40B4-BE49-F238E27FC236}">
+                <a16:creationId xmlns:a16="http://schemas.microsoft.com/office/drawing/2014/main" id="{02771A63-D441-C401-5C94-C36BD2AE2922}"/>
+              </a:ext>
+            </a:extLst>
+          </p:cNvPr>
+          <p:cNvPicPr>
+            <a:picLocks noChangeAspect="1"/>
+          </p:cNvPicPr>
+          <p:nvPr/>
+        </p:nvPicPr>
+        <p:blipFill>
+          <a:blip r:embed="rId2"/>
+          <a:stretch>
+            <a:fillRect/>
+          </a:stretch>
+        </p:blipFill>
+        <p:spPr>
+          <a:xfrm>
+            <a:off x="1269999" y="953283"/>
+            <a:ext cx="9652002" cy="5439114"/>
+          </a:xfrm>
+          <a:prstGeom prst="rect">
+            <a:avLst/>
+          </a:prstGeom>
+        </p:spPr>
+      </p:pic>
+    </p:spTree>
+    <p:extLst>
+      <p:ext uri="{BB962C8B-B14F-4D97-AF65-F5344CB8AC3E}">
+        <p14:creationId xmlns:p14="http://schemas.microsoft.com/office/powerpoint/2010/main" val="443817348"/>
+      </p:ext>
+    </p:extLst>
+  </p:cSld>
+  <p:clrMapOvr>
+    <a:masterClrMapping/>
+  </p:clrMapOvr>
+</p:sld>
+</file>
+
+<file path=ppt/slides/slide14.xml><?xml version="1.0" encoding="utf-8"?>
+<p:sld xmlns:a="http://schemas.openxmlformats.org/drawingml/2006/main" xmlns:r="http://schemas.openxmlformats.org/officeDocument/2006/relationships" xmlns:p="http://schemas.openxmlformats.org/presentationml/2006/main">
+  <p:cSld>
+    <p:spTree>
+      <p:nvGrpSpPr>
+        <p:cNvPr id="1" name="">
+          <a:extLst>
+            <a:ext uri="{FF2B5EF4-FFF2-40B4-BE49-F238E27FC236}">
+              <a16:creationId xmlns:a16="http://schemas.microsoft.com/office/drawing/2014/main" id="{99D83558-B81F-5B20-07B1-BD60ED410DA3}"/>
+            </a:ext>
+          </a:extLst>
+        </p:cNvPr>
+        <p:cNvGrpSpPr/>
+        <p:nvPr/>
+      </p:nvGrpSpPr>
+      <p:grpSpPr>
+        <a:xfrm>
+          <a:off x="0" y="0"/>
+          <a:ext cx="0" cy="0"/>
+          <a:chOff x="0" y="0"/>
+          <a:chExt cx="0" cy="0"/>
+        </a:xfrm>
+      </p:grpSpPr>
+      <p:sp>
+        <p:nvSpPr>
+          <p:cNvPr id="2" name="Title 1">
+            <a:extLst>
+              <a:ext uri="{FF2B5EF4-FFF2-40B4-BE49-F238E27FC236}">
+                <a16:creationId xmlns:a16="http://schemas.microsoft.com/office/drawing/2014/main" id="{E38C900E-A008-B84D-0216-A322EB762BA3}"/>
+              </a:ext>
+            </a:extLst>
+          </p:cNvPr>
+          <p:cNvSpPr>
+            <a:spLocks noGrp="1"/>
+          </p:cNvSpPr>
+          <p:nvPr>
+            <p:ph type="title"/>
+          </p:nvPr>
+        </p:nvSpPr>
+        <p:spPr>
+          <a:xfrm>
+            <a:off x="838200" y="365125"/>
+            <a:ext cx="10515600" cy="224155"/>
+          </a:xfrm>
+        </p:spPr>
+        <p:txBody>
+          <a:bodyPr>
+            <a:normAutofit fontScale="90000"/>
+          </a:bodyPr>
+          <a:lstStyle/>
+          <a:p>
+            <a:r>
+              <a:rPr lang="en-US" dirty="0"/>
+              <a:t>Spectrogram of whole trial</a:t>
+            </a:r>
+          </a:p>
+        </p:txBody>
+      </p:sp>
+    </p:spTree>
+    <p:extLst>
+      <p:ext uri="{BB962C8B-B14F-4D97-AF65-F5344CB8AC3E}">
+        <p14:creationId xmlns:p14="http://schemas.microsoft.com/office/powerpoint/2010/main" val="1300111676"/>
+      </p:ext>
+    </p:extLst>
+  </p:cSld>
+  <p:clrMapOvr>
+    <a:masterClrMapping/>
+  </p:clrMapOvr>
+</p:sld>
+</file>
+
+<file path=ppt/slides/slide15.xml><?xml version="1.0" encoding="utf-8"?>
+<p:sld xmlns:a="http://schemas.openxmlformats.org/drawingml/2006/main" xmlns:r="http://schemas.openxmlformats.org/officeDocument/2006/relationships" xmlns:p="http://schemas.openxmlformats.org/presentationml/2006/main">
+  <p:cSld>
+    <p:spTree>
+      <p:nvGrpSpPr>
+        <p:cNvPr id="1" name=""/>
+        <p:cNvGrpSpPr/>
+        <p:nvPr/>
+      </p:nvGrpSpPr>
+      <p:grpSpPr>
+        <a:xfrm>
+          <a:off x="0" y="0"/>
+          <a:ext cx="0" cy="0"/>
+          <a:chOff x="0" y="0"/>
+          <a:chExt cx="0" cy="0"/>
+        </a:xfrm>
+      </p:grpSpPr>
+      <p:sp>
+        <p:nvSpPr>
+          <p:cNvPr id="2" name="Title 1">
+            <a:extLst>
+              <a:ext uri="{FF2B5EF4-FFF2-40B4-BE49-F238E27FC236}">
+                <a16:creationId xmlns:a16="http://schemas.microsoft.com/office/drawing/2014/main" id="{8C219C78-FE0E-C4C0-A147-D811C971BA7D}"/>
+              </a:ext>
+            </a:extLst>
+          </p:cNvPr>
+          <p:cNvSpPr>
+            <a:spLocks noGrp="1"/>
+          </p:cNvSpPr>
+          <p:nvPr>
+            <p:ph type="title"/>
+          </p:nvPr>
+        </p:nvSpPr>
+        <p:spPr/>
+        <p:txBody>
+          <a:bodyPr/>
+          <a:lstStyle/>
+          <a:p>
+            <a:r>
+              <a:rPr lang="en-US" dirty="0"/>
+              <a:t>Alpha question from Ben</a:t>
+            </a:r>
+          </a:p>
+        </p:txBody>
+      </p:sp>
+      <p:sp>
+        <p:nvSpPr>
+          <p:cNvPr id="3" name="Content Placeholder 2">
+            <a:extLst>
+              <a:ext uri="{FF2B5EF4-FFF2-40B4-BE49-F238E27FC236}">
+                <a16:creationId xmlns:a16="http://schemas.microsoft.com/office/drawing/2014/main" id="{DDA5E762-A620-C533-5894-3B7E4B29E9F3}"/>
+              </a:ext>
+            </a:extLst>
+          </p:cNvPr>
+          <p:cNvSpPr>
+            <a:spLocks noGrp="1"/>
+          </p:cNvSpPr>
+          <p:nvPr>
+            <p:ph idx="1"/>
+          </p:nvPr>
+        </p:nvSpPr>
+        <p:spPr/>
+        <p:txBody>
+          <a:bodyPr/>
+          <a:lstStyle/>
+          <a:p>
+            <a:r>
+              <a:rPr lang="en-US" dirty="0"/>
+              <a:t>Need to subtract the mean response over the whole trial to see induced alpha more clearly?</a:t>
+            </a:r>
+          </a:p>
+        </p:txBody>
+      </p:sp>
+    </p:spTree>
+    <p:extLst>
+      <p:ext uri="{BB962C8B-B14F-4D97-AF65-F5344CB8AC3E}">
+        <p14:creationId xmlns:p14="http://schemas.microsoft.com/office/powerpoint/2010/main" val="2035110016"/>
+      </p:ext>
+    </p:extLst>
+  </p:cSld>
+  <p:clrMapOvr>
+    <a:masterClrMapping/>
+  </p:clrMapOvr>
+</p:sld>
+</file>
+
+<file path=ppt/slides/slide16.xml><?xml version="1.0" encoding="utf-8"?>
+<p:sld xmlns:a="http://schemas.openxmlformats.org/drawingml/2006/main" xmlns:r="http://schemas.openxmlformats.org/officeDocument/2006/relationships" xmlns:p="http://schemas.openxmlformats.org/presentationml/2006/main">
+  <p:cSld>
+    <p:spTree>
+      <p:nvGrpSpPr>
+        <p:cNvPr id="1" name=""/>
+        <p:cNvGrpSpPr/>
+        <p:nvPr/>
+      </p:nvGrpSpPr>
+      <p:grpSpPr>
+        <a:xfrm>
+          <a:off x="0" y="0"/>
+          <a:ext cx="0" cy="0"/>
+          <a:chOff x="0" y="0"/>
+          <a:chExt cx="0" cy="0"/>
+        </a:xfrm>
+      </p:grpSpPr>
+      <p:sp>
+        <p:nvSpPr>
+          <p:cNvPr id="2" name="Title 1">
+            <a:extLst>
+              <a:ext uri="{FF2B5EF4-FFF2-40B4-BE49-F238E27FC236}">
+                <a16:creationId xmlns:a16="http://schemas.microsoft.com/office/drawing/2014/main" id="{BD0900CA-9677-C4B8-15CF-B776CC38104E}"/>
+              </a:ext>
+            </a:extLst>
+          </p:cNvPr>
+          <p:cNvSpPr>
+            <a:spLocks noGrp="1"/>
+          </p:cNvSpPr>
+          <p:nvPr>
+            <p:ph type="title"/>
+          </p:nvPr>
+        </p:nvSpPr>
+        <p:spPr/>
+        <p:txBody>
+          <a:bodyPr/>
+          <a:lstStyle/>
+          <a:p>
+            <a:r>
+              <a:rPr lang="en-US" dirty="0"/>
+              <a:t>If I try subtracting</a:t>
+            </a:r>
+          </a:p>
+        </p:txBody>
+      </p:sp>
+      <p:pic>
+        <p:nvPicPr>
+          <p:cNvPr id="5" name="Picture 4">
+            <a:extLst>
+              <a:ext uri="{FF2B5EF4-FFF2-40B4-BE49-F238E27FC236}">
+                <a16:creationId xmlns:a16="http://schemas.microsoft.com/office/drawing/2014/main" id="{A553EDBE-FCF2-D221-3AC1-EB948FFEDBAD}"/>
+              </a:ext>
+            </a:extLst>
+          </p:cNvPr>
+          <p:cNvPicPr>
+            <a:picLocks noChangeAspect="1"/>
+          </p:cNvPicPr>
+          <p:nvPr/>
+        </p:nvPicPr>
+        <p:blipFill>
+          <a:blip r:embed="rId2"/>
+          <a:stretch>
+            <a:fillRect/>
+          </a:stretch>
+        </p:blipFill>
+        <p:spPr>
+          <a:xfrm>
+            <a:off x="1009650" y="1439545"/>
+            <a:ext cx="10172700" cy="5543550"/>
+          </a:xfrm>
+          <a:prstGeom prst="rect">
+            <a:avLst/>
+          </a:prstGeom>
+        </p:spPr>
+      </p:pic>
+    </p:spTree>
+    <p:extLst>
+      <p:ext uri="{BB962C8B-B14F-4D97-AF65-F5344CB8AC3E}">
+        <p14:creationId xmlns:p14="http://schemas.microsoft.com/office/powerpoint/2010/main" val="2471876823"/>
       </p:ext>
     </p:extLst>
   </p:cSld>
@@ -3573,6 +4464,526 @@
 </file>
 
 <file path=ppt/slides/slide2.xml><?xml version="1.0" encoding="utf-8"?>
+<p:sld xmlns:a="http://schemas.openxmlformats.org/drawingml/2006/main" xmlns:r="http://schemas.openxmlformats.org/officeDocument/2006/relationships" xmlns:p="http://schemas.openxmlformats.org/presentationml/2006/main">
+  <p:cSld>
+    <p:spTree>
+      <p:nvGrpSpPr>
+        <p:cNvPr id="1" name=""/>
+        <p:cNvGrpSpPr/>
+        <p:nvPr/>
+      </p:nvGrpSpPr>
+      <p:grpSpPr>
+        <a:xfrm>
+          <a:off x="0" y="0"/>
+          <a:ext cx="0" cy="0"/>
+          <a:chOff x="0" y="0"/>
+          <a:chExt cx="0" cy="0"/>
+        </a:xfrm>
+      </p:grpSpPr>
+      <p:pic>
+        <p:nvPicPr>
+          <p:cNvPr id="4" name="Picture 4">
+            <a:extLst>
+              <a:ext uri="{FF2B5EF4-FFF2-40B4-BE49-F238E27FC236}">
+                <a16:creationId xmlns:a16="http://schemas.microsoft.com/office/drawing/2014/main" id="{1698B578-403D-6421-AC5C-B59023F7F476}"/>
+              </a:ext>
+            </a:extLst>
+          </p:cNvPr>
+          <p:cNvPicPr>
+            <a:picLocks noChangeAspect="1" noChangeArrowheads="1"/>
+          </p:cNvPicPr>
+          <p:nvPr/>
+        </p:nvPicPr>
+        <p:blipFill>
+          <a:blip r:embed="rId3">
+            <a:extLst>
+              <a:ext uri="{28A0092B-C50C-407E-A947-70E740481C1C}">
+                <a14:useLocalDpi xmlns:a14="http://schemas.microsoft.com/office/drawing/2010/main" val="0"/>
+              </a:ext>
+            </a:extLst>
+          </a:blip>
+          <a:srcRect/>
+          <a:stretch>
+            <a:fillRect/>
+          </a:stretch>
+        </p:blipFill>
+        <p:spPr bwMode="auto">
+          <a:xfrm>
+            <a:off x="197973" y="354014"/>
+            <a:ext cx="11796054" cy="6148386"/>
+          </a:xfrm>
+          <a:prstGeom prst="rect">
+            <a:avLst/>
+          </a:prstGeom>
+          <a:noFill/>
+          <a:extLst>
+            <a:ext uri="{909E8E84-426E-40DD-AFC4-6F175D3DCCD1}">
+              <a14:hiddenFill xmlns:a14="http://schemas.microsoft.com/office/drawing/2010/main">
+                <a:solidFill>
+                  <a:srgbClr val="FFFFFF"/>
+                </a:solidFill>
+              </a14:hiddenFill>
+            </a:ext>
+          </a:extLst>
+        </p:spPr>
+      </p:pic>
+      <p:sp>
+        <p:nvSpPr>
+          <p:cNvPr id="5" name="Arrow: Left-Right 4">
+            <a:extLst>
+              <a:ext uri="{FF2B5EF4-FFF2-40B4-BE49-F238E27FC236}">
+                <a16:creationId xmlns:a16="http://schemas.microsoft.com/office/drawing/2014/main" id="{76D32694-B9EA-8E0C-721B-D639BFF729D4}"/>
+              </a:ext>
+            </a:extLst>
+          </p:cNvPr>
+          <p:cNvSpPr/>
+          <p:nvPr/>
+        </p:nvSpPr>
+        <p:spPr>
+          <a:xfrm>
+            <a:off x="4216400" y="2418080"/>
+            <a:ext cx="528320" cy="274320"/>
+          </a:xfrm>
+          <a:prstGeom prst="leftRightArrow">
+            <a:avLst/>
+          </a:prstGeom>
+          <a:solidFill>
+            <a:srgbClr val="FFFF00"/>
+          </a:solidFill>
+          <a:ln>
+            <a:solidFill>
+              <a:schemeClr val="tx1"/>
+            </a:solidFill>
+          </a:ln>
+        </p:spPr>
+        <p:style>
+          <a:lnRef idx="2">
+            <a:schemeClr val="accent1">
+              <a:shade val="15000"/>
+            </a:schemeClr>
+          </a:lnRef>
+          <a:fillRef idx="1">
+            <a:schemeClr val="accent1"/>
+          </a:fillRef>
+          <a:effectRef idx="0">
+            <a:schemeClr val="accent1"/>
+          </a:effectRef>
+          <a:fontRef idx="minor">
+            <a:schemeClr val="lt1"/>
+          </a:fontRef>
+        </p:style>
+        <p:txBody>
+          <a:bodyPr rtlCol="0" anchor="ctr"/>
+          <a:lstStyle/>
+          <a:p>
+            <a:pPr algn="ctr"/>
+            <a:endParaRPr lang="en-US">
+              <a:ln>
+                <a:solidFill>
+                  <a:srgbClr val="FFFF00"/>
+                </a:solidFill>
+              </a:ln>
+              <a:solidFill>
+                <a:srgbClr val="FFFF00"/>
+              </a:solidFill>
+            </a:endParaRPr>
+          </a:p>
+        </p:txBody>
+      </p:sp>
+      <p:sp>
+        <p:nvSpPr>
+          <p:cNvPr id="6" name="TextBox 5">
+            <a:extLst>
+              <a:ext uri="{FF2B5EF4-FFF2-40B4-BE49-F238E27FC236}">
+                <a16:creationId xmlns:a16="http://schemas.microsoft.com/office/drawing/2014/main" id="{68A3B99A-BCFE-E29D-83C1-F0624B46E0CF}"/>
+              </a:ext>
+            </a:extLst>
+          </p:cNvPr>
+          <p:cNvSpPr txBox="1"/>
+          <p:nvPr/>
+        </p:nvSpPr>
+        <p:spPr>
+          <a:xfrm>
+            <a:off x="4023852" y="1977628"/>
+            <a:ext cx="913416" cy="369332"/>
+          </a:xfrm>
+          <a:prstGeom prst="rect">
+            <a:avLst/>
+          </a:prstGeom>
+          <a:solidFill>
+            <a:srgbClr val="FFFF00"/>
+          </a:solidFill>
+        </p:spPr>
+        <p:txBody>
+          <a:bodyPr wrap="square" rtlCol="0">
+            <a:spAutoFit/>
+          </a:bodyPr>
+          <a:lstStyle/>
+          <a:p>
+            <a:r>
+              <a:rPr lang="en-US" dirty="0"/>
+              <a:t>300 </a:t>
+            </a:r>
+            <a:r>
+              <a:rPr lang="en-US" dirty="0" err="1"/>
+              <a:t>ms</a:t>
+            </a:r>
+            <a:endParaRPr lang="en-US" dirty="0"/>
+          </a:p>
+        </p:txBody>
+      </p:sp>
+      <p:sp>
+        <p:nvSpPr>
+          <p:cNvPr id="7" name="Arrow: Left-Right 6">
+            <a:extLst>
+              <a:ext uri="{FF2B5EF4-FFF2-40B4-BE49-F238E27FC236}">
+                <a16:creationId xmlns:a16="http://schemas.microsoft.com/office/drawing/2014/main" id="{34A11BF1-8936-E392-A685-E1648996F186}"/>
+              </a:ext>
+            </a:extLst>
+          </p:cNvPr>
+          <p:cNvSpPr/>
+          <p:nvPr/>
+        </p:nvSpPr>
+        <p:spPr>
+          <a:xfrm>
+            <a:off x="6583680" y="3850640"/>
+            <a:ext cx="366743" cy="179662"/>
+          </a:xfrm>
+          <a:prstGeom prst="leftRightArrow">
+            <a:avLst/>
+          </a:prstGeom>
+          <a:solidFill>
+            <a:srgbClr val="FFFF00"/>
+          </a:solidFill>
+          <a:ln>
+            <a:solidFill>
+              <a:schemeClr val="tx1"/>
+            </a:solidFill>
+          </a:ln>
+        </p:spPr>
+        <p:style>
+          <a:lnRef idx="2">
+            <a:schemeClr val="accent1">
+              <a:shade val="15000"/>
+            </a:schemeClr>
+          </a:lnRef>
+          <a:fillRef idx="1">
+            <a:schemeClr val="accent1"/>
+          </a:fillRef>
+          <a:effectRef idx="0">
+            <a:schemeClr val="accent1"/>
+          </a:effectRef>
+          <a:fontRef idx="minor">
+            <a:schemeClr val="lt1"/>
+          </a:fontRef>
+        </p:style>
+        <p:txBody>
+          <a:bodyPr rtlCol="0" anchor="ctr"/>
+          <a:lstStyle/>
+          <a:p>
+            <a:pPr algn="ctr"/>
+            <a:endParaRPr lang="en-US">
+              <a:ln>
+                <a:solidFill>
+                  <a:srgbClr val="FFFF00"/>
+                </a:solidFill>
+              </a:ln>
+              <a:solidFill>
+                <a:srgbClr val="FFFF00"/>
+              </a:solidFill>
+            </a:endParaRPr>
+          </a:p>
+        </p:txBody>
+      </p:sp>
+      <p:sp>
+        <p:nvSpPr>
+          <p:cNvPr id="8" name="TextBox 7">
+            <a:extLst>
+              <a:ext uri="{FF2B5EF4-FFF2-40B4-BE49-F238E27FC236}">
+                <a16:creationId xmlns:a16="http://schemas.microsoft.com/office/drawing/2014/main" id="{DDDD0A3A-3CC2-4728-B0FC-DABD7CFB8F16}"/>
+              </a:ext>
+            </a:extLst>
+          </p:cNvPr>
+          <p:cNvSpPr txBox="1"/>
+          <p:nvPr/>
+        </p:nvSpPr>
+        <p:spPr>
+          <a:xfrm>
+            <a:off x="6401292" y="4221480"/>
+            <a:ext cx="913416" cy="369332"/>
+          </a:xfrm>
+          <a:prstGeom prst="rect">
+            <a:avLst/>
+          </a:prstGeom>
+          <a:solidFill>
+            <a:srgbClr val="FFFF00"/>
+          </a:solidFill>
+        </p:spPr>
+        <p:txBody>
+          <a:bodyPr wrap="square" rtlCol="0">
+            <a:spAutoFit/>
+          </a:bodyPr>
+          <a:lstStyle/>
+          <a:p>
+            <a:r>
+              <a:rPr lang="en-US" dirty="0"/>
+              <a:t>250 </a:t>
+            </a:r>
+            <a:r>
+              <a:rPr lang="en-US" dirty="0" err="1"/>
+              <a:t>ms</a:t>
+            </a:r>
+            <a:endParaRPr lang="en-US" dirty="0"/>
+          </a:p>
+        </p:txBody>
+      </p:sp>
+      <p:sp>
+        <p:nvSpPr>
+          <p:cNvPr id="9" name="TextBox 8">
+            <a:extLst>
+              <a:ext uri="{FF2B5EF4-FFF2-40B4-BE49-F238E27FC236}">
+                <a16:creationId xmlns:a16="http://schemas.microsoft.com/office/drawing/2014/main" id="{E4D859A9-8D6F-4405-68E9-BA7046DFD72A}"/>
+              </a:ext>
+            </a:extLst>
+          </p:cNvPr>
+          <p:cNvSpPr txBox="1"/>
+          <p:nvPr/>
+        </p:nvSpPr>
+        <p:spPr>
+          <a:xfrm>
+            <a:off x="7467600" y="5703332"/>
+            <a:ext cx="4135120" cy="369332"/>
+          </a:xfrm>
+          <a:prstGeom prst="rect">
+            <a:avLst/>
+          </a:prstGeom>
+          <a:solidFill>
+            <a:srgbClr val="FFFF00"/>
+          </a:solidFill>
+        </p:spPr>
+        <p:txBody>
+          <a:bodyPr wrap="square" rtlCol="0">
+            <a:spAutoFit/>
+          </a:bodyPr>
+          <a:lstStyle/>
+          <a:p>
+            <a:r>
+              <a:rPr lang="en-US" b="1" dirty="0"/>
+              <a:t>8</a:t>
+            </a:r>
+            <a:r>
+              <a:rPr lang="en-US" dirty="0"/>
+              <a:t> token pairs * 600 </a:t>
+            </a:r>
+            <a:r>
+              <a:rPr lang="en-US" dirty="0" err="1"/>
+              <a:t>ms</a:t>
+            </a:r>
+            <a:r>
+              <a:rPr lang="en-US" dirty="0"/>
+              <a:t>/pair =  sec</a:t>
+            </a:r>
+          </a:p>
+        </p:txBody>
+      </p:sp>
+      <p:sp>
+        <p:nvSpPr>
+          <p:cNvPr id="10" name="TextBox 9">
+            <a:extLst>
+              <a:ext uri="{FF2B5EF4-FFF2-40B4-BE49-F238E27FC236}">
+                <a16:creationId xmlns:a16="http://schemas.microsoft.com/office/drawing/2014/main" id="{415AE64E-65FB-92C5-E048-C9044EA41537}"/>
+              </a:ext>
+            </a:extLst>
+          </p:cNvPr>
+          <p:cNvSpPr txBox="1"/>
+          <p:nvPr/>
+        </p:nvSpPr>
+        <p:spPr>
+          <a:xfrm>
+            <a:off x="8280400" y="4950430"/>
+            <a:ext cx="1198388" cy="646331"/>
+          </a:xfrm>
+          <a:prstGeom prst="rect">
+            <a:avLst/>
+          </a:prstGeom>
+          <a:solidFill>
+            <a:srgbClr val="FFFF00"/>
+          </a:solidFill>
+        </p:spPr>
+        <p:txBody>
+          <a:bodyPr wrap="square" rtlCol="0">
+            <a:spAutoFit/>
+          </a:bodyPr>
+          <a:lstStyle/>
+          <a:p>
+            <a:r>
+              <a:rPr lang="en-US" sz="3600" dirty="0"/>
+              <a:t> </a:t>
+            </a:r>
+          </a:p>
+        </p:txBody>
+      </p:sp>
+      <p:sp>
+        <p:nvSpPr>
+          <p:cNvPr id="2" name="TextBox 1">
+            <a:extLst>
+              <a:ext uri="{FF2B5EF4-FFF2-40B4-BE49-F238E27FC236}">
+                <a16:creationId xmlns:a16="http://schemas.microsoft.com/office/drawing/2014/main" id="{4A461F99-2B64-3310-D768-73078353ECDA}"/>
+              </a:ext>
+            </a:extLst>
+          </p:cNvPr>
+          <p:cNvSpPr txBox="1"/>
+          <p:nvPr/>
+        </p:nvSpPr>
+        <p:spPr>
+          <a:xfrm rot="1394237">
+            <a:off x="7174880" y="4057014"/>
+            <a:ext cx="585440" cy="1015663"/>
+          </a:xfrm>
+          <a:prstGeom prst="rect">
+            <a:avLst/>
+          </a:prstGeom>
+          <a:noFill/>
+        </p:spPr>
+        <p:txBody>
+          <a:bodyPr wrap="square" rtlCol="0">
+            <a:spAutoFit/>
+          </a:bodyPr>
+          <a:lstStyle/>
+          <a:p>
+            <a:r>
+              <a:rPr lang="en-US" sz="6000" b="1" dirty="0"/>
+              <a:t>?</a:t>
+            </a:r>
+          </a:p>
+        </p:txBody>
+      </p:sp>
+      <p:sp>
+        <p:nvSpPr>
+          <p:cNvPr id="3" name="TextBox 2">
+            <a:extLst>
+              <a:ext uri="{FF2B5EF4-FFF2-40B4-BE49-F238E27FC236}">
+                <a16:creationId xmlns:a16="http://schemas.microsoft.com/office/drawing/2014/main" id="{C490E44C-2538-4BDF-08AE-E6A3CE3B9577}"/>
+              </a:ext>
+            </a:extLst>
+          </p:cNvPr>
+          <p:cNvSpPr txBox="1"/>
+          <p:nvPr/>
+        </p:nvSpPr>
+        <p:spPr>
+          <a:xfrm>
+            <a:off x="7599680" y="3368318"/>
+            <a:ext cx="792480" cy="369332"/>
+          </a:xfrm>
+          <a:prstGeom prst="rect">
+            <a:avLst/>
+          </a:prstGeom>
+          <a:solidFill>
+            <a:srgbClr val="FFFF00"/>
+          </a:solidFill>
+        </p:spPr>
+        <p:txBody>
+          <a:bodyPr wrap="square" rtlCol="0">
+            <a:spAutoFit/>
+          </a:bodyPr>
+          <a:lstStyle/>
+          <a:p>
+            <a:r>
+              <a:rPr lang="en-US" dirty="0"/>
+              <a:t>50 </a:t>
+            </a:r>
+            <a:r>
+              <a:rPr lang="en-US" dirty="0" err="1"/>
+              <a:t>ms</a:t>
+            </a:r>
+            <a:endParaRPr lang="en-US" dirty="0"/>
+          </a:p>
+        </p:txBody>
+      </p:sp>
+      <p:sp>
+        <p:nvSpPr>
+          <p:cNvPr id="11" name="TextBox 10">
+            <a:extLst>
+              <a:ext uri="{FF2B5EF4-FFF2-40B4-BE49-F238E27FC236}">
+                <a16:creationId xmlns:a16="http://schemas.microsoft.com/office/drawing/2014/main" id="{F9828AFF-3E5A-E29A-19DC-75530AE9DA6F}"/>
+              </a:ext>
+            </a:extLst>
+          </p:cNvPr>
+          <p:cNvSpPr txBox="1"/>
+          <p:nvPr/>
+        </p:nvSpPr>
+        <p:spPr>
+          <a:xfrm rot="1394237">
+            <a:off x="8241187" y="3048409"/>
+            <a:ext cx="585440" cy="1015663"/>
+          </a:xfrm>
+          <a:prstGeom prst="rect">
+            <a:avLst/>
+          </a:prstGeom>
+          <a:noFill/>
+        </p:spPr>
+        <p:txBody>
+          <a:bodyPr wrap="square" rtlCol="0">
+            <a:spAutoFit/>
+          </a:bodyPr>
+          <a:lstStyle/>
+          <a:p>
+            <a:r>
+              <a:rPr lang="en-US" sz="6000" b="1" dirty="0"/>
+              <a:t>?</a:t>
+            </a:r>
+          </a:p>
+        </p:txBody>
+      </p:sp>
+      <p:sp>
+        <p:nvSpPr>
+          <p:cNvPr id="12" name="TextBox 11">
+            <a:extLst>
+              <a:ext uri="{FF2B5EF4-FFF2-40B4-BE49-F238E27FC236}">
+                <a16:creationId xmlns:a16="http://schemas.microsoft.com/office/drawing/2014/main" id="{61D37355-03EB-6DD5-83DE-FCACA5A58186}"/>
+              </a:ext>
+            </a:extLst>
+          </p:cNvPr>
+          <p:cNvSpPr txBox="1"/>
+          <p:nvPr/>
+        </p:nvSpPr>
+        <p:spPr>
+          <a:xfrm rot="1394237">
+            <a:off x="7127038" y="5152611"/>
+            <a:ext cx="585440" cy="1015663"/>
+          </a:xfrm>
+          <a:prstGeom prst="rect">
+            <a:avLst/>
+          </a:prstGeom>
+          <a:noFill/>
+        </p:spPr>
+        <p:txBody>
+          <a:bodyPr wrap="square" rtlCol="0">
+            <a:spAutoFit/>
+          </a:bodyPr>
+          <a:lstStyle/>
+          <a:p>
+            <a:r>
+              <a:rPr lang="en-US" sz="6000" b="1" dirty="0"/>
+              <a:t>?</a:t>
+            </a:r>
+          </a:p>
+        </p:txBody>
+      </p:sp>
+    </p:spTree>
+    <p:extLst>
+      <p:ext uri="{BB962C8B-B14F-4D97-AF65-F5344CB8AC3E}">
+        <p14:creationId xmlns:p14="http://schemas.microsoft.com/office/powerpoint/2010/main" val="4155359452"/>
+      </p:ext>
+    </p:extLst>
+  </p:cSld>
+  <p:clrMapOvr>
+    <a:masterClrMapping/>
+  </p:clrMapOvr>
+</p:sld>
+</file>
+
+<file path=ppt/slides/slide3.xml><?xml version="1.0" encoding="utf-8"?>
 <p:sld xmlns:a="http://schemas.openxmlformats.org/drawingml/2006/main" xmlns:r="http://schemas.openxmlformats.org/officeDocument/2006/relationships" xmlns:p="http://schemas.openxmlformats.org/presentationml/2006/main">
   <p:cSld>
     <p:spTree>
@@ -3691,118 +5102,6 @@
 </p:sld>
 </file>
 
-<file path=ppt/slides/slide3.xml><?xml version="1.0" encoding="utf-8"?>
-<p:sld xmlns:a="http://schemas.openxmlformats.org/drawingml/2006/main" xmlns:r="http://schemas.openxmlformats.org/officeDocument/2006/relationships" xmlns:p="http://schemas.openxmlformats.org/presentationml/2006/main">
-  <p:cSld>
-    <p:spTree>
-      <p:nvGrpSpPr>
-        <p:cNvPr id="1" name=""/>
-        <p:cNvGrpSpPr/>
-        <p:nvPr/>
-      </p:nvGrpSpPr>
-      <p:grpSpPr>
-        <a:xfrm>
-          <a:off x="0" y="0"/>
-          <a:ext cx="0" cy="0"/>
-          <a:chOff x="0" y="0"/>
-          <a:chExt cx="0" cy="0"/>
-        </a:xfrm>
-      </p:grpSpPr>
-      <p:sp>
-        <p:nvSpPr>
-          <p:cNvPr id="2" name="Title 1">
-            <a:extLst>
-              <a:ext uri="{FF2B5EF4-FFF2-40B4-BE49-F238E27FC236}">
-                <a16:creationId xmlns:a16="http://schemas.microsoft.com/office/drawing/2014/main" id="{20A7CC68-87A0-7FF0-295B-93C4096FBE34}"/>
-              </a:ext>
-            </a:extLst>
-          </p:cNvPr>
-          <p:cNvSpPr>
-            <a:spLocks noGrp="1"/>
-          </p:cNvSpPr>
-          <p:nvPr>
-            <p:ph type="title"/>
-          </p:nvPr>
-        </p:nvSpPr>
-        <p:spPr/>
-        <p:txBody>
-          <a:bodyPr/>
-          <a:lstStyle/>
-          <a:p>
-            <a:r>
-              <a:rPr lang="en-US" dirty="0"/>
-              <a:t>Fullpilot1</a:t>
-            </a:r>
-          </a:p>
-        </p:txBody>
-      </p:sp>
-      <p:sp>
-        <p:nvSpPr>
-          <p:cNvPr id="3" name="Content Placeholder 2">
-            <a:extLst>
-              <a:ext uri="{FF2B5EF4-FFF2-40B4-BE49-F238E27FC236}">
-                <a16:creationId xmlns:a16="http://schemas.microsoft.com/office/drawing/2014/main" id="{63456B24-F5B8-C8B6-AE05-AEABF9192BBB}"/>
-              </a:ext>
-            </a:extLst>
-          </p:cNvPr>
-          <p:cNvSpPr>
-            <a:spLocks noGrp="1"/>
-          </p:cNvSpPr>
-          <p:nvPr>
-            <p:ph idx="1"/>
-          </p:nvPr>
-        </p:nvSpPr>
-        <p:spPr/>
-        <p:txBody>
-          <a:bodyPr/>
-          <a:lstStyle/>
-          <a:p>
-            <a:r>
-              <a:rPr lang="en-US" dirty="0"/>
-              <a:t>50 us ITD, 500 us ITD, 5 deg ILD, 5 deg ILD + Mag</a:t>
-            </a:r>
-          </a:p>
-          <a:p>
-            <a:r>
-              <a:rPr lang="en-US" dirty="0"/>
-              <a:t>60 trials per condition (30 attend right, 30 attend left)</a:t>
-            </a:r>
-          </a:p>
-          <a:p>
-            <a:r>
-              <a:rPr lang="en-US" dirty="0"/>
-              <a:t>300 </a:t>
-            </a:r>
-            <a:r>
-              <a:rPr lang="en-US" dirty="0" err="1"/>
-              <a:t>ms</a:t>
-            </a:r>
-            <a:r>
-              <a:rPr lang="en-US" dirty="0"/>
-              <a:t> tokens</a:t>
-            </a:r>
-          </a:p>
-          <a:p>
-            <a:r>
-              <a:rPr lang="en-US" dirty="0"/>
-              <a:t>5 – 7 sec rest </a:t>
-            </a:r>
-          </a:p>
-        </p:txBody>
-      </p:sp>
-    </p:spTree>
-    <p:extLst>
-      <p:ext uri="{BB962C8B-B14F-4D97-AF65-F5344CB8AC3E}">
-        <p14:creationId xmlns:p14="http://schemas.microsoft.com/office/powerpoint/2010/main" val="2214432562"/>
-      </p:ext>
-    </p:extLst>
-  </p:cSld>
-  <p:clrMapOvr>
-    <a:masterClrMapping/>
-  </p:clrMapOvr>
-</p:sld>
-</file>
-
 <file path=ppt/slides/slide4.xml><?xml version="1.0" encoding="utf-8"?>
 <p:sld xmlns:a="http://schemas.openxmlformats.org/drawingml/2006/main" xmlns:r="http://schemas.openxmlformats.org/officeDocument/2006/relationships" xmlns:p="http://schemas.openxmlformats.org/presentationml/2006/main">
   <p:cSld>
@@ -3825,7 +5124,7 @@
           <p:cNvPr id="2" name="Title 1">
             <a:extLst>
               <a:ext uri="{FF2B5EF4-FFF2-40B4-BE49-F238E27FC236}">
-                <a16:creationId xmlns:a16="http://schemas.microsoft.com/office/drawing/2014/main" id="{55741FC5-10CB-5744-6FE0-C1F3651D1401}"/>
+                <a16:creationId xmlns:a16="http://schemas.microsoft.com/office/drawing/2014/main" id="{20A7CC68-87A0-7FF0-295B-93C4096FBE34}"/>
               </a:ext>
             </a:extLst>
           </p:cNvPr>
@@ -3836,57 +5135,76 @@
             <p:ph type="title"/>
           </p:nvPr>
         </p:nvSpPr>
-        <p:spPr>
-          <a:xfrm>
-            <a:off x="838200" y="-102235"/>
-            <a:ext cx="10515600" cy="1325563"/>
-          </a:xfrm>
-        </p:spPr>
+        <p:spPr/>
         <p:txBody>
           <a:bodyPr/>
           <a:lstStyle/>
           <a:p>
             <a:r>
               <a:rPr lang="en-US" dirty="0"/>
-              <a:t>ERP topographies</a:t>
-            </a:r>
-          </a:p>
-        </p:txBody>
-      </p:sp>
-      <p:pic>
-        <p:nvPicPr>
-          <p:cNvPr id="5" name="Picture 4">
-            <a:extLst>
-              <a:ext uri="{FF2B5EF4-FFF2-40B4-BE49-F238E27FC236}">
-                <a16:creationId xmlns:a16="http://schemas.microsoft.com/office/drawing/2014/main" id="{12983BDC-D30A-F1C8-C6A1-B03B545CC8CB}"/>
-              </a:ext>
-            </a:extLst>
-          </p:cNvPr>
-          <p:cNvPicPr>
-            <a:picLocks noChangeAspect="1"/>
-          </p:cNvPicPr>
-          <p:nvPr/>
-        </p:nvPicPr>
-        <p:blipFill>
-          <a:blip r:embed="rId2"/>
-          <a:stretch>
-            <a:fillRect/>
-          </a:stretch>
-        </p:blipFill>
-        <p:spPr>
-          <a:xfrm>
-            <a:off x="0" y="763746"/>
-            <a:ext cx="12192000" cy="5880100"/>
-          </a:xfrm>
-          <a:prstGeom prst="rect">
-            <a:avLst/>
-          </a:prstGeom>
-        </p:spPr>
-      </p:pic>
+              <a:t>Fullpilot1</a:t>
+            </a:r>
+          </a:p>
+        </p:txBody>
+      </p:sp>
+      <p:sp>
+        <p:nvSpPr>
+          <p:cNvPr id="3" name="Content Placeholder 2">
+            <a:extLst>
+              <a:ext uri="{FF2B5EF4-FFF2-40B4-BE49-F238E27FC236}">
+                <a16:creationId xmlns:a16="http://schemas.microsoft.com/office/drawing/2014/main" id="{63456B24-F5B8-C8B6-AE05-AEABF9192BBB}"/>
+              </a:ext>
+            </a:extLst>
+          </p:cNvPr>
+          <p:cNvSpPr>
+            <a:spLocks noGrp="1"/>
+          </p:cNvSpPr>
+          <p:nvPr>
+            <p:ph idx="1"/>
+          </p:nvPr>
+        </p:nvSpPr>
+        <p:spPr/>
+        <p:txBody>
+          <a:bodyPr/>
+          <a:lstStyle/>
+          <a:p>
+            <a:r>
+              <a:rPr lang="en-US" dirty="0"/>
+              <a:t>50 us ITD, 500 us ITD, 5 deg ILD, 5 deg ILD + Mag</a:t>
+            </a:r>
+          </a:p>
+          <a:p>
+            <a:r>
+              <a:rPr lang="en-US" dirty="0"/>
+              <a:t>60 trials per condition (30 attend right, 30 attend left)</a:t>
+            </a:r>
+          </a:p>
+          <a:p>
+            <a:r>
+              <a:rPr lang="en-US" dirty="0"/>
+              <a:t>300 </a:t>
+            </a:r>
+            <a:r>
+              <a:rPr lang="en-US" dirty="0" err="1"/>
+              <a:t>ms</a:t>
+            </a:r>
+            <a:r>
+              <a:rPr lang="en-US" dirty="0"/>
+              <a:t> tokens</a:t>
+            </a:r>
+          </a:p>
+          <a:p>
+            <a:r>
+              <a:rPr lang="en-US" dirty="0"/>
+              <a:t>5 – 7 sec rest </a:t>
+            </a:r>
+          </a:p>
+        </p:txBody>
+      </p:sp>
     </p:spTree>
     <p:extLst>
       <p:ext uri="{BB962C8B-B14F-4D97-AF65-F5344CB8AC3E}">
-        <p14:creationId xmlns:p14="http://schemas.microsoft.com/office/powerpoint/2010/main" val="58717464"/>
+        <p14:creationId xmlns:p14="http://schemas.microsoft.com/office/powerpoint/2010/main" val="2214432562"/>
       </p:ext>
     </p:extLst>
   </p:cSld>
@@ -3918,7 +5236,7 @@
           <p:cNvPr id="2" name="Title 1">
             <a:extLst>
               <a:ext uri="{FF2B5EF4-FFF2-40B4-BE49-F238E27FC236}">
-                <a16:creationId xmlns:a16="http://schemas.microsoft.com/office/drawing/2014/main" id="{E002DAF3-3BFE-0A02-0F70-4E0265188B39}"/>
+                <a16:creationId xmlns:a16="http://schemas.microsoft.com/office/drawing/2014/main" id="{08BB7F42-C72A-F181-0A82-88323EE67157}"/>
               </a:ext>
             </a:extLst>
           </p:cNvPr>
@@ -3931,7 +5249,7 @@
         </p:nvSpPr>
         <p:spPr>
           <a:xfrm>
-            <a:off x="838200" y="-168116"/>
+            <a:off x="838200" y="-81915"/>
             <a:ext cx="10515600" cy="1325563"/>
           </a:xfrm>
         </p:spPr>
@@ -3941,22 +5259,17 @@
           <a:p>
             <a:r>
               <a:rPr lang="en-US" dirty="0"/>
-              <a:t>ERPs at </a:t>
-            </a:r>
-            <a:r>
-              <a:rPr lang="en-US" dirty="0" err="1"/>
-              <a:t>Cz</a:t>
-            </a:r>
-            <a:endParaRPr lang="en-US" dirty="0"/>
+              <a:t>Behavior</a:t>
+            </a:r>
           </a:p>
         </p:txBody>
       </p:sp>
       <p:pic>
         <p:nvPicPr>
-          <p:cNvPr id="9" name="Picture 8">
-            <a:extLst>
-              <a:ext uri="{FF2B5EF4-FFF2-40B4-BE49-F238E27FC236}">
-                <a16:creationId xmlns:a16="http://schemas.microsoft.com/office/drawing/2014/main" id="{2625C651-9606-6E40-EBDE-71EF67052787}"/>
+          <p:cNvPr id="5" name="Picture 4">
+            <a:extLst>
+              <a:ext uri="{FF2B5EF4-FFF2-40B4-BE49-F238E27FC236}">
+                <a16:creationId xmlns:a16="http://schemas.microsoft.com/office/drawing/2014/main" id="{4FCE6B19-3ED6-61D3-057D-61B136FAD524}"/>
               </a:ext>
             </a:extLst>
           </p:cNvPr>
@@ -3967,14 +5280,13 @@
         </p:nvPicPr>
         <p:blipFill>
           <a:blip r:embed="rId2"/>
-          <a:stretch>
-            <a:fillRect/>
-          </a:stretch>
+          <a:srcRect l="9167" r="7834"/>
+          <a:stretch/>
         </p:blipFill>
         <p:spPr>
           <a:xfrm>
-            <a:off x="0" y="679927"/>
-            <a:ext cx="12192000" cy="5965505"/>
+            <a:off x="1117600" y="977900"/>
+            <a:ext cx="10119360" cy="5880100"/>
           </a:xfrm>
           <a:prstGeom prst="rect">
             <a:avLst/>
@@ -3984,7 +5296,7 @@
     </p:spTree>
     <p:extLst>
       <p:ext uri="{BB962C8B-B14F-4D97-AF65-F5344CB8AC3E}">
-        <p14:creationId xmlns:p14="http://schemas.microsoft.com/office/powerpoint/2010/main" val="77255183"/>
+        <p14:creationId xmlns:p14="http://schemas.microsoft.com/office/powerpoint/2010/main" val="1967976192"/>
       </p:ext>
     </p:extLst>
   </p:cSld>
@@ -4016,7 +5328,7 @@
           <p:cNvPr id="2" name="Title 1">
             <a:extLst>
               <a:ext uri="{FF2B5EF4-FFF2-40B4-BE49-F238E27FC236}">
-                <a16:creationId xmlns:a16="http://schemas.microsoft.com/office/drawing/2014/main" id="{340B64D0-62BB-A57E-BABD-15E1B86D7608}"/>
+                <a16:creationId xmlns:a16="http://schemas.microsoft.com/office/drawing/2014/main" id="{3B299967-FA16-3875-8B49-76C9971825EC}"/>
               </a:ext>
             </a:extLst>
           </p:cNvPr>
@@ -4029,17 +5341,19 @@
         </p:nvSpPr>
         <p:spPr>
           <a:xfrm>
-            <a:off x="838200" y="0"/>
-            <a:ext cx="10515600" cy="1325563"/>
+            <a:off x="449580" y="-236697"/>
+            <a:ext cx="11882120" cy="959327"/>
           </a:xfrm>
         </p:spPr>
         <p:txBody>
-          <a:bodyPr/>
-          <a:lstStyle/>
-          <a:p>
-            <a:r>
-              <a:rPr lang="en-US" dirty="0"/>
-              <a:t>ERPs at Fz</a:t>
+          <a:bodyPr>
+            <a:normAutofit/>
+          </a:bodyPr>
+          <a:lstStyle/>
+          <a:p>
+            <a:r>
+              <a:rPr lang="en-US" sz="2800" dirty="0"/>
+              <a:t>Whole Trial Mean Response over frontocentral channels</a:t>
             </a:r>
           </a:p>
         </p:txBody>
@@ -4049,7 +5363,7 @@
           <p:cNvPr id="5" name="Picture 4">
             <a:extLst>
               <a:ext uri="{FF2B5EF4-FFF2-40B4-BE49-F238E27FC236}">
-                <a16:creationId xmlns:a16="http://schemas.microsoft.com/office/drawing/2014/main" id="{AC106F39-5C5A-DA99-E592-97895E1AD153}"/>
+                <a16:creationId xmlns:a16="http://schemas.microsoft.com/office/drawing/2014/main" id="{0A912175-4A62-E56F-52B0-7346C336DEBF}"/>
               </a:ext>
             </a:extLst>
           </p:cNvPr>
@@ -4060,14 +5374,13 @@
         </p:nvPicPr>
         <p:blipFill>
           <a:blip r:embed="rId2"/>
-          <a:stretch>
-            <a:fillRect/>
-          </a:stretch>
+          <a:srcRect l="8000" r="8000"/>
+          <a:stretch/>
         </p:blipFill>
         <p:spPr>
           <a:xfrm>
-            <a:off x="0" y="864689"/>
-            <a:ext cx="12192000" cy="5993311"/>
+            <a:off x="449580" y="468630"/>
+            <a:ext cx="11447780" cy="6572820"/>
           </a:xfrm>
           <a:prstGeom prst="rect">
             <a:avLst/>
@@ -4077,7 +5390,7 @@
     </p:spTree>
     <p:extLst>
       <p:ext uri="{BB962C8B-B14F-4D97-AF65-F5344CB8AC3E}">
-        <p14:creationId xmlns:p14="http://schemas.microsoft.com/office/powerpoint/2010/main" val="543311727"/>
+        <p14:creationId xmlns:p14="http://schemas.microsoft.com/office/powerpoint/2010/main" val="3369831936"/>
       </p:ext>
     </p:extLst>
   </p:cSld>
@@ -4104,52 +5417,12 @@
           <a:chExt cx="0" cy="0"/>
         </a:xfrm>
       </p:grpSpPr>
-      <p:sp>
-        <p:nvSpPr>
-          <p:cNvPr id="2" name="Title 1">
-            <a:extLst>
-              <a:ext uri="{FF2B5EF4-FFF2-40B4-BE49-F238E27FC236}">
-                <a16:creationId xmlns:a16="http://schemas.microsoft.com/office/drawing/2014/main" id="{2DB172FE-1BD3-A673-1460-27D7FE03CA19}"/>
-              </a:ext>
-            </a:extLst>
-          </p:cNvPr>
-          <p:cNvSpPr>
-            <a:spLocks noGrp="1"/>
-          </p:cNvSpPr>
-          <p:nvPr>
-            <p:ph type="title"/>
-          </p:nvPr>
-        </p:nvSpPr>
-        <p:spPr>
-          <a:xfrm>
-            <a:off x="838200" y="131762"/>
-            <a:ext cx="10515600" cy="549275"/>
-          </a:xfrm>
-        </p:spPr>
-        <p:txBody>
-          <a:bodyPr>
-            <a:normAutofit fontScale="90000"/>
-          </a:bodyPr>
-          <a:lstStyle/>
-          <a:p>
-            <a:r>
-              <a:rPr lang="en-US" dirty="0"/>
-              <a:t>ERPs at </a:t>
-            </a:r>
-            <a:r>
-              <a:rPr lang="en-US" dirty="0" err="1"/>
-              <a:t>Pz</a:t>
-            </a:r>
-            <a:endParaRPr lang="en-US" dirty="0"/>
-          </a:p>
-        </p:txBody>
-      </p:sp>
       <p:pic>
         <p:nvPicPr>
-          <p:cNvPr id="5" name="Picture 4">
-            <a:extLst>
-              <a:ext uri="{FF2B5EF4-FFF2-40B4-BE49-F238E27FC236}">
-                <a16:creationId xmlns:a16="http://schemas.microsoft.com/office/drawing/2014/main" id="{6B4B143E-3BB1-E36B-B4C5-D47526E93C2C}"/>
+          <p:cNvPr id="9" name="Picture 8">
+            <a:extLst>
+              <a:ext uri="{FF2B5EF4-FFF2-40B4-BE49-F238E27FC236}">
+                <a16:creationId xmlns:a16="http://schemas.microsoft.com/office/drawing/2014/main" id="{C588CEEE-2D79-64EB-C301-BDB03DEACEA9}"/>
               </a:ext>
             </a:extLst>
           </p:cNvPr>
@@ -4160,14 +5433,13 @@
         </p:nvPicPr>
         <p:blipFill>
           <a:blip r:embed="rId2"/>
-          <a:stretch>
-            <a:fillRect/>
-          </a:stretch>
+          <a:srcRect l="8917" r="8499"/>
+          <a:stretch/>
         </p:blipFill>
         <p:spPr>
           <a:xfrm>
-            <a:off x="0" y="681037"/>
-            <a:ext cx="12192000" cy="5928986"/>
+            <a:off x="447040" y="123189"/>
+            <a:ext cx="11399520" cy="6657389"/>
           </a:xfrm>
           <a:prstGeom prst="rect">
             <a:avLst/>
@@ -4177,7 +5449,7 @@
     </p:spTree>
     <p:extLst>
       <p:ext uri="{BB962C8B-B14F-4D97-AF65-F5344CB8AC3E}">
-        <p14:creationId xmlns:p14="http://schemas.microsoft.com/office/powerpoint/2010/main" val="1984400871"/>
+        <p14:creationId xmlns:p14="http://schemas.microsoft.com/office/powerpoint/2010/main" val="4032362675"/>
       </p:ext>
     </p:extLst>
   </p:cSld>
@@ -4204,40 +5476,12 @@
           <a:chExt cx="0" cy="0"/>
         </a:xfrm>
       </p:grpSpPr>
-      <p:sp>
-        <p:nvSpPr>
-          <p:cNvPr id="2" name="Title 1">
-            <a:extLst>
-              <a:ext uri="{FF2B5EF4-FFF2-40B4-BE49-F238E27FC236}">
-                <a16:creationId xmlns:a16="http://schemas.microsoft.com/office/drawing/2014/main" id="{BD6EADF0-7BB1-AE90-BC76-965A07600CE6}"/>
-              </a:ext>
-            </a:extLst>
-          </p:cNvPr>
-          <p:cNvSpPr>
-            <a:spLocks noGrp="1"/>
-          </p:cNvSpPr>
-          <p:nvPr>
-            <p:ph type="title"/>
-          </p:nvPr>
-        </p:nvSpPr>
-        <p:spPr/>
-        <p:txBody>
-          <a:bodyPr/>
-          <a:lstStyle/>
-          <a:p>
-            <a:r>
-              <a:rPr lang="en-US" dirty="0"/>
-              <a:t>Button press topography</a:t>
-            </a:r>
-          </a:p>
-        </p:txBody>
-      </p:sp>
       <p:pic>
         <p:nvPicPr>
-          <p:cNvPr id="5" name="Picture 4">
-            <a:extLst>
-              <a:ext uri="{FF2B5EF4-FFF2-40B4-BE49-F238E27FC236}">
-                <a16:creationId xmlns:a16="http://schemas.microsoft.com/office/drawing/2014/main" id="{D1962397-F3F7-2FAC-0060-E34A1EFEBCA4}"/>
+          <p:cNvPr id="9" name="Picture 8">
+            <a:extLst>
+              <a:ext uri="{FF2B5EF4-FFF2-40B4-BE49-F238E27FC236}">
+                <a16:creationId xmlns:a16="http://schemas.microsoft.com/office/drawing/2014/main" id="{CD894FAB-1AC5-3655-3007-8A9476232167}"/>
               </a:ext>
             </a:extLst>
           </p:cNvPr>
@@ -4248,14 +5492,13 @@
         </p:nvPicPr>
         <p:blipFill>
           <a:blip r:embed="rId2"/>
-          <a:stretch>
-            <a:fillRect/>
-          </a:stretch>
+          <a:srcRect l="8917" r="7500"/>
+          <a:stretch/>
         </p:blipFill>
         <p:spPr>
           <a:xfrm>
-            <a:off x="0" y="2065193"/>
-            <a:ext cx="12192000" cy="2727614"/>
+            <a:off x="375919" y="0"/>
+            <a:ext cx="11462639" cy="6614160"/>
           </a:xfrm>
           <a:prstGeom prst="rect">
             <a:avLst/>
@@ -4265,7 +5508,7 @@
     </p:spTree>
     <p:extLst>
       <p:ext uri="{BB962C8B-B14F-4D97-AF65-F5344CB8AC3E}">
-        <p14:creationId xmlns:p14="http://schemas.microsoft.com/office/powerpoint/2010/main" val="393005044"/>
+        <p14:creationId xmlns:p14="http://schemas.microsoft.com/office/powerpoint/2010/main" val="2391539457"/>
       </p:ext>
     </p:extLst>
   </p:cSld>
@@ -4297,7 +5540,7 @@
           <p:cNvPr id="2" name="Title 1">
             <a:extLst>
               <a:ext uri="{FF2B5EF4-FFF2-40B4-BE49-F238E27FC236}">
-                <a16:creationId xmlns:a16="http://schemas.microsoft.com/office/drawing/2014/main" id="{89A2EE30-357E-55E8-BC29-3AB9BA680866}"/>
+                <a16:creationId xmlns:a16="http://schemas.microsoft.com/office/drawing/2014/main" id="{7A7D5E3F-980F-8467-2C84-F6794D67E358}"/>
               </a:ext>
             </a:extLst>
           </p:cNvPr>
@@ -4308,52 +5551,58 @@
             <p:ph type="title"/>
           </p:nvPr>
         </p:nvSpPr>
-        <p:spPr/>
-        <p:txBody>
-          <a:bodyPr/>
+        <p:spPr>
+          <a:xfrm>
+            <a:off x="0" y="0"/>
+            <a:ext cx="10515600" cy="467995"/>
+          </a:xfrm>
+        </p:spPr>
+        <p:txBody>
+          <a:bodyPr>
+            <a:normAutofit fontScale="90000"/>
+          </a:bodyPr>
           <a:lstStyle/>
           <a:p>
             <a:r>
               <a:rPr lang="en-US" dirty="0"/>
-              <a:t>Button press at </a:t>
-            </a:r>
-            <a:r>
-              <a:rPr lang="en-US" dirty="0" err="1"/>
-              <a:t>Cz</a:t>
-            </a:r>
-            <a:endParaRPr lang="en-US" dirty="0"/>
-          </a:p>
-        </p:txBody>
-      </p:sp>
-      <p:sp>
-        <p:nvSpPr>
-          <p:cNvPr id="3" name="Content Placeholder 2">
-            <a:extLst>
-              <a:ext uri="{FF2B5EF4-FFF2-40B4-BE49-F238E27FC236}">
-                <a16:creationId xmlns:a16="http://schemas.microsoft.com/office/drawing/2014/main" id="{9787297F-4C6E-8751-8179-691CE208B709}"/>
-              </a:ext>
-            </a:extLst>
-          </p:cNvPr>
-          <p:cNvSpPr>
-            <a:spLocks noGrp="1"/>
-          </p:cNvSpPr>
-          <p:nvPr>
-            <p:ph idx="1"/>
-          </p:nvPr>
-        </p:nvSpPr>
-        <p:spPr/>
-        <p:txBody>
-          <a:bodyPr/>
-          <a:lstStyle/>
-          <a:p>
-            <a:endParaRPr lang="en-US"/>
-          </a:p>
-        </p:txBody>
-      </p:sp>
+              <a:t>Mean of both, baselined together</a:t>
+            </a:r>
+          </a:p>
+        </p:txBody>
+      </p:sp>
+      <p:pic>
+        <p:nvPicPr>
+          <p:cNvPr id="5" name="Picture 4">
+            <a:extLst>
+              <a:ext uri="{FF2B5EF4-FFF2-40B4-BE49-F238E27FC236}">
+                <a16:creationId xmlns:a16="http://schemas.microsoft.com/office/drawing/2014/main" id="{7625D684-D431-C2F4-8DB1-926D83708CAE}"/>
+              </a:ext>
+            </a:extLst>
+          </p:cNvPr>
+          <p:cNvPicPr>
+            <a:picLocks noChangeAspect="1"/>
+          </p:cNvPicPr>
+          <p:nvPr/>
+        </p:nvPicPr>
+        <p:blipFill>
+          <a:blip r:embed="rId2"/>
+          <a:srcRect l="7918" r="7416"/>
+          <a:stretch/>
+        </p:blipFill>
+        <p:spPr>
+          <a:xfrm>
+            <a:off x="485140" y="465706"/>
+            <a:ext cx="11221720" cy="6392294"/>
+          </a:xfrm>
+          <a:prstGeom prst="rect">
+            <a:avLst/>
+          </a:prstGeom>
+        </p:spPr>
+      </p:pic>
     </p:spTree>
     <p:extLst>
       <p:ext uri="{BB962C8B-B14F-4D97-AF65-F5344CB8AC3E}">
-        <p14:creationId xmlns:p14="http://schemas.microsoft.com/office/powerpoint/2010/main" val="3051680369"/>
+        <p14:creationId xmlns:p14="http://schemas.microsoft.com/office/powerpoint/2010/main" val="3538365214"/>
       </p:ext>
     </p:extLst>
   </p:cSld>
@@ -4676,4 +5925,319 @@
     </a:ext>
   </a:extLst>
 </a:theme>
+</file>
+
+<file path=ppt/theme/theme2.xml><?xml version="1.0" encoding="utf-8"?>
+<a:theme xmlns:a="http://schemas.openxmlformats.org/drawingml/2006/main" name="Office Theme">
+  <a:themeElements>
+    <a:clrScheme name="Office">
+      <a:dk1>
+        <a:sysClr val="windowText" lastClr="000000"/>
+      </a:dk1>
+      <a:lt1>
+        <a:sysClr val="window" lastClr="FFFFFF"/>
+      </a:lt1>
+      <a:dk2>
+        <a:srgbClr val="0E2841"/>
+      </a:dk2>
+      <a:lt2>
+        <a:srgbClr val="E8E8E8"/>
+      </a:lt2>
+      <a:accent1>
+        <a:srgbClr val="156082"/>
+      </a:accent1>
+      <a:accent2>
+        <a:srgbClr val="E97132"/>
+      </a:accent2>
+      <a:accent3>
+        <a:srgbClr val="196B24"/>
+      </a:accent3>
+      <a:accent4>
+        <a:srgbClr val="0F9ED5"/>
+      </a:accent4>
+      <a:accent5>
+        <a:srgbClr val="A02B93"/>
+      </a:accent5>
+      <a:accent6>
+        <a:srgbClr val="4EA72E"/>
+      </a:accent6>
+      <a:hlink>
+        <a:srgbClr val="467886"/>
+      </a:hlink>
+      <a:folHlink>
+        <a:srgbClr val="96607D"/>
+      </a:folHlink>
+    </a:clrScheme>
+    <a:fontScheme name="Office">
+      <a:majorFont>
+        <a:latin typeface="Aptos Display" panose="02110004020202020204"/>
+        <a:ea typeface=""/>
+        <a:cs typeface=""/>
+        <a:font script="Jpan" typeface="游ゴシック Light"/>
+        <a:font script="Hang" typeface="맑은 고딕"/>
+        <a:font script="Hans" typeface="等线 Light"/>
+        <a:font script="Hant" typeface="新細明體"/>
+        <a:font script="Arab" typeface="Times New Roman"/>
+        <a:font script="Hebr" typeface="Times New Roman"/>
+        <a:font script="Thai" typeface="Angsana New"/>
+        <a:font script="Ethi" typeface="Nyala"/>
+        <a:font script="Beng" typeface="Vrinda"/>
+        <a:font script="Gujr" typeface="Shruti"/>
+        <a:font script="Khmr" typeface="MoolBoran"/>
+        <a:font script="Knda" typeface="Tunga"/>
+        <a:font script="Guru" typeface="Raavi"/>
+        <a:font script="Cans" typeface="Euphemia"/>
+        <a:font script="Cher" typeface="Plantagenet Cherokee"/>
+        <a:font script="Yiii" typeface="Microsoft Yi Baiti"/>
+        <a:font script="Tibt" typeface="Microsoft Himalaya"/>
+        <a:font script="Thaa" typeface="MV Boli"/>
+        <a:font script="Deva" typeface="Mangal"/>
+        <a:font script="Telu" typeface="Gautami"/>
+        <a:font script="Taml" typeface="Latha"/>
+        <a:font script="Syrc" typeface="Estrangelo Edessa"/>
+        <a:font script="Orya" typeface="Kalinga"/>
+        <a:font script="Mlym" typeface="Kartika"/>
+        <a:font script="Laoo" typeface="DokChampa"/>
+        <a:font script="Sinh" typeface="Iskoola Pota"/>
+        <a:font script="Mong" typeface="Mongolian Baiti"/>
+        <a:font script="Viet" typeface="Times New Roman"/>
+        <a:font script="Uigh" typeface="Microsoft Uighur"/>
+        <a:font script="Geor" typeface="Sylfaen"/>
+        <a:font script="Armn" typeface="Arial"/>
+        <a:font script="Bugi" typeface="Leelawadee UI"/>
+        <a:font script="Bopo" typeface="Microsoft JhengHei"/>
+        <a:font script="Java" typeface="Javanese Text"/>
+        <a:font script="Lisu" typeface="Segoe UI"/>
+        <a:font script="Mymr" typeface="Myanmar Text"/>
+        <a:font script="Nkoo" typeface="Ebrima"/>
+        <a:font script="Olck" typeface="Nirmala UI"/>
+        <a:font script="Osma" typeface="Ebrima"/>
+        <a:font script="Phag" typeface="Phagspa"/>
+        <a:font script="Syrn" typeface="Estrangelo Edessa"/>
+        <a:font script="Syrj" typeface="Estrangelo Edessa"/>
+        <a:font script="Syre" typeface="Estrangelo Edessa"/>
+        <a:font script="Sora" typeface="Nirmala UI"/>
+        <a:font script="Tale" typeface="Microsoft Tai Le"/>
+        <a:font script="Talu" typeface="Microsoft New Tai Lue"/>
+        <a:font script="Tfng" typeface="Ebrima"/>
+      </a:majorFont>
+      <a:minorFont>
+        <a:latin typeface="Aptos" panose="02110004020202020204"/>
+        <a:ea typeface=""/>
+        <a:cs typeface=""/>
+        <a:font script="Jpan" typeface="游ゴシック"/>
+        <a:font script="Hang" typeface="맑은 고딕"/>
+        <a:font script="Hans" typeface="等线"/>
+        <a:font script="Hant" typeface="新細明體"/>
+        <a:font script="Arab" typeface="Arial"/>
+        <a:font script="Hebr" typeface="Arial"/>
+        <a:font script="Thai" typeface="Cordia New"/>
+        <a:font script="Ethi" typeface="Nyala"/>
+        <a:font script="Beng" typeface="Vrinda"/>
+        <a:font script="Gujr" typeface="Shruti"/>
+        <a:font script="Khmr" typeface="DaunPenh"/>
+        <a:font script="Knda" typeface="Tunga"/>
+        <a:font script="Guru" typeface="Raavi"/>
+        <a:font script="Cans" typeface="Euphemia"/>
+        <a:font script="Cher" typeface="Plantagenet Cherokee"/>
+        <a:font script="Yiii" typeface="Microsoft Yi Baiti"/>
+        <a:font script="Tibt" typeface="Microsoft Himalaya"/>
+        <a:font script="Thaa" typeface="MV Boli"/>
+        <a:font script="Deva" typeface="Mangal"/>
+        <a:font script="Telu" typeface="Gautami"/>
+        <a:font script="Taml" typeface="Latha"/>
+        <a:font script="Syrc" typeface="Estrangelo Edessa"/>
+        <a:font script="Orya" typeface="Kalinga"/>
+        <a:font script="Mlym" typeface="Kartika"/>
+        <a:font script="Laoo" typeface="DokChampa"/>
+        <a:font script="Sinh" typeface="Iskoola Pota"/>
+        <a:font script="Mong" typeface="Mongolian Baiti"/>
+        <a:font script="Viet" typeface="Arial"/>
+        <a:font script="Uigh" typeface="Microsoft Uighur"/>
+        <a:font script="Geor" typeface="Sylfaen"/>
+        <a:font script="Armn" typeface="Arial"/>
+        <a:font script="Bugi" typeface="Leelawadee UI"/>
+        <a:font script="Bopo" typeface="Microsoft JhengHei"/>
+        <a:font script="Java" typeface="Javanese Text"/>
+        <a:font script="Lisu" typeface="Segoe UI"/>
+        <a:font script="Mymr" typeface="Myanmar Text"/>
+        <a:font script="Nkoo" typeface="Ebrima"/>
+        <a:font script="Olck" typeface="Nirmala UI"/>
+        <a:font script="Osma" typeface="Ebrima"/>
+        <a:font script="Phag" typeface="Phagspa"/>
+        <a:font script="Syrn" typeface="Estrangelo Edessa"/>
+        <a:font script="Syrj" typeface="Estrangelo Edessa"/>
+        <a:font script="Syre" typeface="Estrangelo Edessa"/>
+        <a:font script="Sora" typeface="Nirmala UI"/>
+        <a:font script="Tale" typeface="Microsoft Tai Le"/>
+        <a:font script="Talu" typeface="Microsoft New Tai Lue"/>
+        <a:font script="Tfng" typeface="Ebrima"/>
+      </a:minorFont>
+    </a:fontScheme>
+    <a:fmtScheme name="Office">
+      <a:fillStyleLst>
+        <a:solidFill>
+          <a:schemeClr val="phClr"/>
+        </a:solidFill>
+        <a:gradFill rotWithShape="1">
+          <a:gsLst>
+            <a:gs pos="0">
+              <a:schemeClr val="phClr">
+                <a:lumMod val="110000"/>
+                <a:satMod val="105000"/>
+                <a:tint val="67000"/>
+              </a:schemeClr>
+            </a:gs>
+            <a:gs pos="50000">
+              <a:schemeClr val="phClr">
+                <a:lumMod val="105000"/>
+                <a:satMod val="103000"/>
+                <a:tint val="73000"/>
+              </a:schemeClr>
+            </a:gs>
+            <a:gs pos="100000">
+              <a:schemeClr val="phClr">
+                <a:lumMod val="105000"/>
+                <a:satMod val="109000"/>
+                <a:tint val="81000"/>
+              </a:schemeClr>
+            </a:gs>
+          </a:gsLst>
+          <a:lin ang="5400000" scaled="0"/>
+        </a:gradFill>
+        <a:gradFill rotWithShape="1">
+          <a:gsLst>
+            <a:gs pos="0">
+              <a:schemeClr val="phClr">
+                <a:satMod val="103000"/>
+                <a:lumMod val="102000"/>
+                <a:tint val="94000"/>
+              </a:schemeClr>
+            </a:gs>
+            <a:gs pos="50000">
+              <a:schemeClr val="phClr">
+                <a:satMod val="110000"/>
+                <a:lumMod val="100000"/>
+                <a:shade val="100000"/>
+              </a:schemeClr>
+            </a:gs>
+            <a:gs pos="100000">
+              <a:schemeClr val="phClr">
+                <a:lumMod val="99000"/>
+                <a:satMod val="120000"/>
+                <a:shade val="78000"/>
+              </a:schemeClr>
+            </a:gs>
+          </a:gsLst>
+          <a:lin ang="5400000" scaled="0"/>
+        </a:gradFill>
+      </a:fillStyleLst>
+      <a:lnStyleLst>
+        <a:ln w="12700" cap="flat" cmpd="sng" algn="ctr">
+          <a:solidFill>
+            <a:schemeClr val="phClr"/>
+          </a:solidFill>
+          <a:prstDash val="solid"/>
+          <a:miter lim="800000"/>
+        </a:ln>
+        <a:ln w="19050" cap="flat" cmpd="sng" algn="ctr">
+          <a:solidFill>
+            <a:schemeClr val="phClr"/>
+          </a:solidFill>
+          <a:prstDash val="solid"/>
+          <a:miter lim="800000"/>
+        </a:ln>
+        <a:ln w="25400" cap="flat" cmpd="sng" algn="ctr">
+          <a:solidFill>
+            <a:schemeClr val="phClr"/>
+          </a:solidFill>
+          <a:prstDash val="solid"/>
+          <a:miter lim="800000"/>
+        </a:ln>
+      </a:lnStyleLst>
+      <a:effectStyleLst>
+        <a:effectStyle>
+          <a:effectLst/>
+        </a:effectStyle>
+        <a:effectStyle>
+          <a:effectLst/>
+        </a:effectStyle>
+        <a:effectStyle>
+          <a:effectLst>
+            <a:outerShdw blurRad="57150" dist="19050" dir="5400000" algn="ctr" rotWithShape="0">
+              <a:srgbClr val="000000">
+                <a:alpha val="63000"/>
+              </a:srgbClr>
+            </a:outerShdw>
+          </a:effectLst>
+        </a:effectStyle>
+      </a:effectStyleLst>
+      <a:bgFillStyleLst>
+        <a:solidFill>
+          <a:schemeClr val="phClr"/>
+        </a:solidFill>
+        <a:solidFill>
+          <a:schemeClr val="phClr">
+            <a:tint val="95000"/>
+            <a:satMod val="170000"/>
+          </a:schemeClr>
+        </a:solidFill>
+        <a:gradFill rotWithShape="1">
+          <a:gsLst>
+            <a:gs pos="0">
+              <a:schemeClr val="phClr">
+                <a:tint val="93000"/>
+                <a:satMod val="150000"/>
+                <a:shade val="98000"/>
+                <a:lumMod val="102000"/>
+              </a:schemeClr>
+            </a:gs>
+            <a:gs pos="50000">
+              <a:schemeClr val="phClr">
+                <a:tint val="98000"/>
+                <a:satMod val="130000"/>
+                <a:shade val="90000"/>
+                <a:lumMod val="103000"/>
+              </a:schemeClr>
+            </a:gs>
+            <a:gs pos="100000">
+              <a:schemeClr val="phClr">
+                <a:shade val="63000"/>
+                <a:satMod val="120000"/>
+              </a:schemeClr>
+            </a:gs>
+          </a:gsLst>
+          <a:lin ang="5400000" scaled="0"/>
+        </a:gradFill>
+      </a:bgFillStyleLst>
+    </a:fmtScheme>
+  </a:themeElements>
+  <a:objectDefaults>
+    <a:lnDef>
+      <a:spPr/>
+      <a:bodyPr/>
+      <a:lstStyle/>
+      <a:style>
+        <a:lnRef idx="2">
+          <a:schemeClr val="accent1"/>
+        </a:lnRef>
+        <a:fillRef idx="0">
+          <a:schemeClr val="accent1"/>
+        </a:fillRef>
+        <a:effectRef idx="1">
+          <a:schemeClr val="accent1"/>
+        </a:effectRef>
+        <a:fontRef idx="minor">
+          <a:schemeClr val="tx1"/>
+        </a:fontRef>
+      </a:style>
+    </a:lnDef>
+  </a:objectDefaults>
+  <a:extraClrSchemeLst/>
+  <a:extLst>
+    <a:ext uri="{05A4C25C-085E-4340-85A3-A5531E510DB2}">
+      <thm15:themeFamily xmlns:thm15="http://schemas.microsoft.com/office/thememl/2012/main" name="Office Theme" id="{2E142A2C-CD16-42D6-873A-C26D2A0506FA}" vid="{1BDDFF52-6CD6-40A5-AB3C-68EB2F1E4D0A}"/>
+    </a:ext>
+  </a:extLst>
+</a:theme>
 </file>